--- a/ppt_files/vert_design3.pptx
+++ b/ppt_files/vert_design3.pptx
@@ -10,7 +10,7 @@
   <p:sldIdLst>
     <p:sldId id="256" r:id="rId8"/>
   </p:sldIdLst>
-  <p:sldSz cx="38404800" cy="40233600"/>
+  <p:sldSz cx="43891200" cy="51206400"/>
   <p:notesSz cx="6858000" cy="9144000"/>
   <p:defaultTextStyle>
     <a:defPPr marL="0" marR="0" indent="0" algn="l" defTabSz="914400" rtl="0" fontAlgn="auto" latinLnBrk="1" hangingPunct="0">
@@ -39,7 +39,7 @@
         <a:uFillTx/>
       </a:defRPr>
     </a:defPPr>
-    <a:lvl1pPr marL="0" marR="0" indent="0" algn="ctr" defTabSz="2409825" rtl="0" fontAlgn="auto" latinLnBrk="0" hangingPunct="0">
+    <a:lvl1pPr marL="0" marR="0" indent="0" algn="ctr" defTabSz="3505200" rtl="0" fontAlgn="auto" latinLnBrk="0" hangingPunct="0">
       <a:lnSpc>
         <a:spcPct val="100000"/>
       </a:lnSpc>
@@ -54,7 +54,7 @@
       <a:buFontTx/>
       <a:buNone/>
       <a:tabLst/>
-      <a:defRPr b="1" baseline="0" cap="none" i="0" spc="0" strike="noStrike" sz="8600" u="none" kumimoji="0" normalizeH="0">
+      <a:defRPr b="1" baseline="0" cap="none" i="0" spc="0" strike="noStrike" sz="12400" u="none" kumimoji="0" normalizeH="0">
         <a:ln>
           <a:noFill/>
         </a:ln>
@@ -69,7 +69,7 @@
         <a:sym typeface="Helvetica Neue"/>
       </a:defRPr>
     </a:lvl1pPr>
-    <a:lvl2pPr marL="0" marR="0" indent="228600" algn="ctr" defTabSz="2409825" rtl="0" fontAlgn="auto" latinLnBrk="0" hangingPunct="0">
+    <a:lvl2pPr marL="0" marR="0" indent="228600" algn="ctr" defTabSz="3505200" rtl="0" fontAlgn="auto" latinLnBrk="0" hangingPunct="0">
       <a:lnSpc>
         <a:spcPct val="100000"/>
       </a:lnSpc>
@@ -84,7 +84,7 @@
       <a:buFontTx/>
       <a:buNone/>
       <a:tabLst/>
-      <a:defRPr b="1" baseline="0" cap="none" i="0" spc="0" strike="noStrike" sz="8600" u="none" kumimoji="0" normalizeH="0">
+      <a:defRPr b="1" baseline="0" cap="none" i="0" spc="0" strike="noStrike" sz="12400" u="none" kumimoji="0" normalizeH="0">
         <a:ln>
           <a:noFill/>
         </a:ln>
@@ -99,7 +99,7 @@
         <a:sym typeface="Helvetica Neue"/>
       </a:defRPr>
     </a:lvl2pPr>
-    <a:lvl3pPr marL="0" marR="0" indent="457200" algn="ctr" defTabSz="2409825" rtl="0" fontAlgn="auto" latinLnBrk="0" hangingPunct="0">
+    <a:lvl3pPr marL="0" marR="0" indent="457200" algn="ctr" defTabSz="3505200" rtl="0" fontAlgn="auto" latinLnBrk="0" hangingPunct="0">
       <a:lnSpc>
         <a:spcPct val="100000"/>
       </a:lnSpc>
@@ -114,7 +114,7 @@
       <a:buFontTx/>
       <a:buNone/>
       <a:tabLst/>
-      <a:defRPr b="1" baseline="0" cap="none" i="0" spc="0" strike="noStrike" sz="8600" u="none" kumimoji="0" normalizeH="0">
+      <a:defRPr b="1" baseline="0" cap="none" i="0" spc="0" strike="noStrike" sz="12400" u="none" kumimoji="0" normalizeH="0">
         <a:ln>
           <a:noFill/>
         </a:ln>
@@ -129,7 +129,7 @@
         <a:sym typeface="Helvetica Neue"/>
       </a:defRPr>
     </a:lvl3pPr>
-    <a:lvl4pPr marL="0" marR="0" indent="685800" algn="ctr" defTabSz="2409825" rtl="0" fontAlgn="auto" latinLnBrk="0" hangingPunct="0">
+    <a:lvl4pPr marL="0" marR="0" indent="685800" algn="ctr" defTabSz="3505200" rtl="0" fontAlgn="auto" latinLnBrk="0" hangingPunct="0">
       <a:lnSpc>
         <a:spcPct val="100000"/>
       </a:lnSpc>
@@ -144,7 +144,7 @@
       <a:buFontTx/>
       <a:buNone/>
       <a:tabLst/>
-      <a:defRPr b="1" baseline="0" cap="none" i="0" spc="0" strike="noStrike" sz="8600" u="none" kumimoji="0" normalizeH="0">
+      <a:defRPr b="1" baseline="0" cap="none" i="0" spc="0" strike="noStrike" sz="12400" u="none" kumimoji="0" normalizeH="0">
         <a:ln>
           <a:noFill/>
         </a:ln>
@@ -159,7 +159,7 @@
         <a:sym typeface="Helvetica Neue"/>
       </a:defRPr>
     </a:lvl4pPr>
-    <a:lvl5pPr marL="0" marR="0" indent="914400" algn="ctr" defTabSz="2409825" rtl="0" fontAlgn="auto" latinLnBrk="0" hangingPunct="0">
+    <a:lvl5pPr marL="0" marR="0" indent="914400" algn="ctr" defTabSz="3505200" rtl="0" fontAlgn="auto" latinLnBrk="0" hangingPunct="0">
       <a:lnSpc>
         <a:spcPct val="100000"/>
       </a:lnSpc>
@@ -174,7 +174,7 @@
       <a:buFontTx/>
       <a:buNone/>
       <a:tabLst/>
-      <a:defRPr b="1" baseline="0" cap="none" i="0" spc="0" strike="noStrike" sz="8600" u="none" kumimoji="0" normalizeH="0">
+      <a:defRPr b="1" baseline="0" cap="none" i="0" spc="0" strike="noStrike" sz="12400" u="none" kumimoji="0" normalizeH="0">
         <a:ln>
           <a:noFill/>
         </a:ln>
@@ -189,7 +189,7 @@
         <a:sym typeface="Helvetica Neue"/>
       </a:defRPr>
     </a:lvl5pPr>
-    <a:lvl6pPr marL="0" marR="0" indent="1143000" algn="ctr" defTabSz="2409825" rtl="0" fontAlgn="auto" latinLnBrk="0" hangingPunct="0">
+    <a:lvl6pPr marL="0" marR="0" indent="1143000" algn="ctr" defTabSz="3505200" rtl="0" fontAlgn="auto" latinLnBrk="0" hangingPunct="0">
       <a:lnSpc>
         <a:spcPct val="100000"/>
       </a:lnSpc>
@@ -204,7 +204,7 @@
       <a:buFontTx/>
       <a:buNone/>
       <a:tabLst/>
-      <a:defRPr b="1" baseline="0" cap="none" i="0" spc="0" strike="noStrike" sz="8600" u="none" kumimoji="0" normalizeH="0">
+      <a:defRPr b="1" baseline="0" cap="none" i="0" spc="0" strike="noStrike" sz="12400" u="none" kumimoji="0" normalizeH="0">
         <a:ln>
           <a:noFill/>
         </a:ln>
@@ -219,7 +219,7 @@
         <a:sym typeface="Helvetica Neue"/>
       </a:defRPr>
     </a:lvl6pPr>
-    <a:lvl7pPr marL="0" marR="0" indent="1371600" algn="ctr" defTabSz="2409825" rtl="0" fontAlgn="auto" latinLnBrk="0" hangingPunct="0">
+    <a:lvl7pPr marL="0" marR="0" indent="1371600" algn="ctr" defTabSz="3505200" rtl="0" fontAlgn="auto" latinLnBrk="0" hangingPunct="0">
       <a:lnSpc>
         <a:spcPct val="100000"/>
       </a:lnSpc>
@@ -234,7 +234,7 @@
       <a:buFontTx/>
       <a:buNone/>
       <a:tabLst/>
-      <a:defRPr b="1" baseline="0" cap="none" i="0" spc="0" strike="noStrike" sz="8600" u="none" kumimoji="0" normalizeH="0">
+      <a:defRPr b="1" baseline="0" cap="none" i="0" spc="0" strike="noStrike" sz="12400" u="none" kumimoji="0" normalizeH="0">
         <a:ln>
           <a:noFill/>
         </a:ln>
@@ -249,7 +249,7 @@
         <a:sym typeface="Helvetica Neue"/>
       </a:defRPr>
     </a:lvl7pPr>
-    <a:lvl8pPr marL="0" marR="0" indent="1600200" algn="ctr" defTabSz="2409825" rtl="0" fontAlgn="auto" latinLnBrk="0" hangingPunct="0">
+    <a:lvl8pPr marL="0" marR="0" indent="1600200" algn="ctr" defTabSz="3505200" rtl="0" fontAlgn="auto" latinLnBrk="0" hangingPunct="0">
       <a:lnSpc>
         <a:spcPct val="100000"/>
       </a:lnSpc>
@@ -264,7 +264,7 @@
       <a:buFontTx/>
       <a:buNone/>
       <a:tabLst/>
-      <a:defRPr b="1" baseline="0" cap="none" i="0" spc="0" strike="noStrike" sz="8600" u="none" kumimoji="0" normalizeH="0">
+      <a:defRPr b="1" baseline="0" cap="none" i="0" spc="0" strike="noStrike" sz="12400" u="none" kumimoji="0" normalizeH="0">
         <a:ln>
           <a:noFill/>
         </a:ln>
@@ -279,7 +279,7 @@
         <a:sym typeface="Helvetica Neue"/>
       </a:defRPr>
     </a:lvl8pPr>
-    <a:lvl9pPr marL="0" marR="0" indent="1828800" algn="ctr" defTabSz="2409825" rtl="0" fontAlgn="auto" latinLnBrk="0" hangingPunct="0">
+    <a:lvl9pPr marL="0" marR="0" indent="1828800" algn="ctr" defTabSz="3505200" rtl="0" fontAlgn="auto" latinLnBrk="0" hangingPunct="0">
       <a:lnSpc>
         <a:spcPct val="100000"/>
       </a:lnSpc>
@@ -294,7 +294,7 @@
       <a:buFontTx/>
       <a:buNone/>
       <a:tabLst/>
-      <a:defRPr b="1" baseline="0" cap="none" i="0" spc="0" strike="noStrike" sz="8600" u="none" kumimoji="0" normalizeH="0">
+      <a:defRPr b="1" baseline="0" cap="none" i="0" spc="0" strike="noStrike" sz="12400" u="none" kumimoji="0" normalizeH="0">
         <a:ln>
           <a:noFill/>
         </a:ln>
@@ -638,8 +638,8 @@
         </p:nvSpPr>
         <p:spPr>
           <a:xfrm>
-            <a:off x="12373198" y="22056160"/>
-            <a:ext cx="13658404" cy="1397426"/>
+            <a:off x="14140797" y="31477212"/>
+            <a:ext cx="15609606" cy="1987056"/>
           </a:xfrm>
           <a:prstGeom prst="rect">
             <a:avLst/>
@@ -651,7 +651,7 @@
           </a:bodyPr>
           <a:lstStyle>
             <a:lvl1pPr>
-              <a:defRPr i="1" sz="8600"/>
+              <a:defRPr i="1" sz="12400"/>
             </a:lvl1pPr>
           </a:lstStyle>
           <a:p>
@@ -672,8 +672,8 @@
         </p:nvSpPr>
         <p:spPr>
           <a:xfrm>
-            <a:off x="12373198" y="17799266"/>
-            <a:ext cx="13658404" cy="3947727"/>
+            <a:off x="14140797" y="26031413"/>
+            <a:ext cx="15609606" cy="5673241"/>
           </a:xfrm>
           <a:prstGeom prst="rect">
             <a:avLst/>
@@ -685,7 +685,7 @@
           </a:bodyPr>
           <a:lstStyle>
             <a:lvl1pPr>
-              <a:defRPr sz="12400">
+              <a:defRPr sz="18000">
                 <a:latin typeface="+mn-lt"/>
                 <a:ea typeface="+mn-ea"/>
                 <a:cs typeface="+mn-cs"/>
@@ -759,8 +759,8 @@
         </p:nvSpPr>
         <p:spPr>
           <a:xfrm>
-            <a:off x="10715625" y="13751718"/>
-            <a:ext cx="16973551" cy="12730165"/>
+            <a:off x="12246428" y="21986421"/>
+            <a:ext cx="19398345" cy="14548759"/>
           </a:xfrm>
           <a:prstGeom prst="rect">
             <a:avLst/>
@@ -882,8 +882,8 @@
         </p:nvSpPr>
         <p:spPr>
           <a:xfrm>
-            <a:off x="12829031" y="14630232"/>
-            <a:ext cx="12735926" cy="7707717"/>
+            <a:off x="14661749" y="22990436"/>
+            <a:ext cx="14555345" cy="8808820"/>
           </a:xfrm>
           <a:prstGeom prst="rect">
             <a:avLst/>
@@ -909,8 +909,8 @@
         </p:nvSpPr>
         <p:spPr>
           <a:xfrm>
-            <a:off x="12373198" y="22520281"/>
-            <a:ext cx="13658404" cy="1856483"/>
+            <a:off x="14140797" y="32007635"/>
+            <a:ext cx="15609606" cy="2121695"/>
           </a:xfrm>
           <a:prstGeom prst="rect">
             <a:avLst/>
@@ -937,8 +937,8 @@
         </p:nvSpPr>
         <p:spPr>
           <a:xfrm>
-            <a:off x="12373198" y="24393338"/>
-            <a:ext cx="13658404" cy="1475242"/>
+            <a:off x="14140797" y="34148273"/>
+            <a:ext cx="15609606" cy="1685990"/>
           </a:xfrm>
           <a:prstGeom prst="rect">
             <a:avLst/>
@@ -1037,8 +1037,8 @@
         </p:nvSpPr>
         <p:spPr>
           <a:xfrm>
-            <a:off x="12373198" y="17961954"/>
-            <a:ext cx="13658404" cy="4309692"/>
+            <a:off x="14140797" y="26798119"/>
+            <a:ext cx="15609606" cy="4925362"/>
           </a:xfrm>
           <a:prstGeom prst="rect">
             <a:avLst/>
@@ -1113,8 +1113,8 @@
         </p:nvSpPr>
         <p:spPr>
           <a:xfrm>
-            <a:off x="19484187" y="14585620"/>
-            <a:ext cx="6961809" cy="10724501"/>
+            <a:off x="22267643" y="22939451"/>
+            <a:ext cx="7956353" cy="12256573"/>
           </a:xfrm>
           <a:prstGeom prst="rect">
             <a:avLst/>
@@ -1140,8 +1140,8 @@
         </p:nvSpPr>
         <p:spPr>
           <a:xfrm>
-            <a:off x="11958804" y="14580505"/>
-            <a:ext cx="6961809" cy="5204781"/>
+            <a:off x="13667205" y="22933605"/>
+            <a:ext cx="7956353" cy="5948322"/>
           </a:xfrm>
           <a:prstGeom prst="rect">
             <a:avLst/>
@@ -1151,7 +1151,7 @@
           <a:bodyPr/>
           <a:lstStyle>
             <a:lvl1pPr>
-              <a:defRPr sz="24000"/>
+              <a:defRPr sz="34800"/>
             </a:lvl1pPr>
           </a:lstStyle>
           <a:p>
@@ -1172,8 +1172,8 @@
         </p:nvSpPr>
         <p:spPr>
           <a:xfrm>
-            <a:off x="11958804" y="19917891"/>
-            <a:ext cx="6961809" cy="5370538"/>
+            <a:off x="13667205" y="29033475"/>
+            <a:ext cx="7956353" cy="6137759"/>
           </a:xfrm>
           <a:prstGeom prst="rect">
             <a:avLst/>
@@ -1272,8 +1272,8 @@
         </p:nvSpPr>
         <p:spPr>
           <a:xfrm>
-            <a:off x="11958804" y="14083233"/>
-            <a:ext cx="14487192" cy="2817876"/>
+            <a:off x="13667205" y="22365295"/>
+            <a:ext cx="16556790" cy="3220429"/>
           </a:xfrm>
           <a:prstGeom prst="rect">
             <a:avLst/>
@@ -1348,8 +1348,8 @@
         </p:nvSpPr>
         <p:spPr>
           <a:xfrm>
-            <a:off x="11958804" y="14083233"/>
-            <a:ext cx="14487192" cy="2817876"/>
+            <a:off x="13667205" y="22365295"/>
+            <a:ext cx="16556790" cy="3220429"/>
           </a:xfrm>
           <a:prstGeom prst="rect">
             <a:avLst/>
@@ -1376,8 +1376,8 @@
         </p:nvSpPr>
         <p:spPr>
           <a:xfrm>
-            <a:off x="11958804" y="17133168"/>
-            <a:ext cx="14487192" cy="8204988"/>
+            <a:off x="13667205" y="25850934"/>
+            <a:ext cx="16556790" cy="9377130"/>
           </a:xfrm>
           <a:prstGeom prst="rect">
             <a:avLst/>
@@ -1386,45 +1386,45 @@
         <p:txBody>
           <a:bodyPr anchor="ctr"/>
           <a:lstStyle>
-            <a:lvl1pPr marL="1722437" indent="-1722437" algn="l">
+            <a:lvl1pPr marL="2500312" indent="-2500312" algn="l">
               <a:spcBef>
-                <a:spcPts val="17300"/>
+                <a:spcPts val="25200"/>
               </a:spcBef>
               <a:buSzPct val="145000"/>
               <a:buChar char="•"/>
-              <a:defRPr sz="12400"/>
+              <a:defRPr sz="18000"/>
             </a:lvl1pPr>
-            <a:lvl2pPr marL="2166937" indent="-1722437" algn="l">
+            <a:lvl2pPr marL="2944812" indent="-2500312" algn="l">
               <a:spcBef>
-                <a:spcPts val="17300"/>
+                <a:spcPts val="25200"/>
               </a:spcBef>
               <a:buSzPct val="145000"/>
               <a:buChar char="•"/>
-              <a:defRPr sz="12400"/>
+              <a:defRPr sz="18000"/>
             </a:lvl2pPr>
-            <a:lvl3pPr marL="2611437" indent="-1722437" algn="l">
+            <a:lvl3pPr marL="3389312" indent="-2500312" algn="l">
               <a:spcBef>
-                <a:spcPts val="17300"/>
+                <a:spcPts val="25200"/>
               </a:spcBef>
               <a:buSzPct val="145000"/>
               <a:buChar char="•"/>
-              <a:defRPr sz="12400"/>
+              <a:defRPr sz="18000"/>
             </a:lvl3pPr>
-            <a:lvl4pPr marL="3055937" indent="-1722437" algn="l">
+            <a:lvl4pPr marL="3833812" indent="-2500312" algn="l">
               <a:spcBef>
-                <a:spcPts val="17300"/>
+                <a:spcPts val="25200"/>
               </a:spcBef>
               <a:buSzPct val="145000"/>
               <a:buChar char="•"/>
-              <a:defRPr sz="12400"/>
+              <a:defRPr sz="18000"/>
             </a:lvl4pPr>
-            <a:lvl5pPr marL="3500437" indent="-1722437" algn="l">
+            <a:lvl5pPr marL="4278312" indent="-2500312" algn="l">
               <a:spcBef>
-                <a:spcPts val="17300"/>
+                <a:spcPts val="25200"/>
               </a:spcBef>
               <a:buSzPct val="145000"/>
               <a:buChar char="•"/>
-              <a:defRPr sz="12400"/>
+              <a:defRPr sz="18000"/>
             </a:lvl5pPr>
           </a:lstStyle>
           <a:p>
@@ -1517,8 +1517,8 @@
         </p:nvSpPr>
         <p:spPr>
           <a:xfrm>
-            <a:off x="19484187" y="17133168"/>
-            <a:ext cx="6961809" cy="8204988"/>
+            <a:off x="22267643" y="25850934"/>
+            <a:ext cx="7956352" cy="9377130"/>
           </a:xfrm>
           <a:prstGeom prst="rect">
             <a:avLst/>
@@ -1544,8 +1544,8 @@
         </p:nvSpPr>
         <p:spPr>
           <a:xfrm>
-            <a:off x="11958804" y="14083233"/>
-            <a:ext cx="14487192" cy="2817876"/>
+            <a:off x="13667205" y="22365295"/>
+            <a:ext cx="16556790" cy="3220429"/>
           </a:xfrm>
           <a:prstGeom prst="rect">
             <a:avLst/>
@@ -1572,8 +1572,8 @@
         </p:nvSpPr>
         <p:spPr>
           <a:xfrm>
-            <a:off x="11958804" y="17133168"/>
-            <a:ext cx="6961809" cy="8204988"/>
+            <a:off x="13667205" y="25850934"/>
+            <a:ext cx="7956353" cy="9377130"/>
           </a:xfrm>
           <a:prstGeom prst="rect">
             <a:avLst/>
@@ -1582,45 +1582,45 @@
         <p:txBody>
           <a:bodyPr anchor="ctr"/>
           <a:lstStyle>
-            <a:lvl1pPr marL="1273628" indent="-1273628" algn="l">
+            <a:lvl1pPr marL="1836964" indent="-1836964" algn="l">
               <a:spcBef>
-                <a:spcPts val="13200"/>
+                <a:spcPts val="19200"/>
               </a:spcBef>
               <a:buSzPct val="145000"/>
               <a:buChar char="•"/>
-              <a:defRPr sz="10400"/>
+              <a:defRPr sz="15000"/>
             </a:lvl1pPr>
-            <a:lvl2pPr marL="1616528" indent="-1273628" algn="l">
+            <a:lvl2pPr marL="2179864" indent="-1836964" algn="l">
               <a:spcBef>
-                <a:spcPts val="13200"/>
+                <a:spcPts val="19200"/>
               </a:spcBef>
               <a:buSzPct val="145000"/>
               <a:buChar char="•"/>
-              <a:defRPr sz="10400"/>
+              <a:defRPr sz="15000"/>
             </a:lvl2pPr>
-            <a:lvl3pPr marL="1959428" indent="-1273628" algn="l">
+            <a:lvl3pPr marL="2522764" indent="-1836964" algn="l">
               <a:spcBef>
-                <a:spcPts val="13200"/>
+                <a:spcPts val="19200"/>
               </a:spcBef>
               <a:buSzPct val="145000"/>
               <a:buChar char="•"/>
-              <a:defRPr sz="10400"/>
+              <a:defRPr sz="15000"/>
             </a:lvl3pPr>
-            <a:lvl4pPr marL="2302328" indent="-1273628" algn="l">
+            <a:lvl4pPr marL="2865664" indent="-1836964" algn="l">
               <a:spcBef>
-                <a:spcPts val="13200"/>
+                <a:spcPts val="19200"/>
               </a:spcBef>
               <a:buSzPct val="145000"/>
               <a:buChar char="•"/>
-              <a:defRPr sz="10400"/>
+              <a:defRPr sz="15000"/>
             </a:lvl4pPr>
-            <a:lvl5pPr marL="2645228" indent="-1273628" algn="l">
+            <a:lvl5pPr marL="3208564" indent="-1836964" algn="l">
               <a:spcBef>
-                <a:spcPts val="13200"/>
+                <a:spcPts val="19200"/>
               </a:spcBef>
               <a:buSzPct val="145000"/>
               <a:buChar char="•"/>
-              <a:defRPr sz="10400"/>
+              <a:defRPr sz="15000"/>
             </a:lvl5pPr>
           </a:lstStyle>
           <a:p>
@@ -1713,8 +1713,8 @@
         </p:nvSpPr>
         <p:spPr>
           <a:xfrm>
-            <a:off x="11958804" y="15409291"/>
-            <a:ext cx="14487192" cy="9415018"/>
+            <a:off x="13667205" y="23880790"/>
+            <a:ext cx="16556790" cy="10760020"/>
           </a:xfrm>
           <a:prstGeom prst="rect">
             <a:avLst/>
@@ -1723,45 +1723,45 @@
         <p:txBody>
           <a:bodyPr anchor="ctr"/>
           <a:lstStyle>
-            <a:lvl1pPr marL="1722437" indent="-1722437" algn="l">
+            <a:lvl1pPr marL="2500312" indent="-2500312" algn="l">
               <a:spcBef>
-                <a:spcPts val="17300"/>
+                <a:spcPts val="25200"/>
               </a:spcBef>
               <a:buSzPct val="145000"/>
               <a:buChar char="•"/>
-              <a:defRPr sz="12400"/>
+              <a:defRPr sz="18000"/>
             </a:lvl1pPr>
-            <a:lvl2pPr marL="2166937" indent="-1722437" algn="l">
+            <a:lvl2pPr marL="2944812" indent="-2500312" algn="l">
               <a:spcBef>
-                <a:spcPts val="17300"/>
+                <a:spcPts val="25200"/>
               </a:spcBef>
               <a:buSzPct val="145000"/>
               <a:buChar char="•"/>
-              <a:defRPr sz="12400"/>
+              <a:defRPr sz="18000"/>
             </a:lvl2pPr>
-            <a:lvl3pPr marL="2611437" indent="-1722437" algn="l">
+            <a:lvl3pPr marL="3389312" indent="-2500312" algn="l">
               <a:spcBef>
-                <a:spcPts val="17300"/>
+                <a:spcPts val="25200"/>
               </a:spcBef>
               <a:buSzPct val="145000"/>
               <a:buChar char="•"/>
-              <a:defRPr sz="12400"/>
+              <a:defRPr sz="18000"/>
             </a:lvl3pPr>
-            <a:lvl4pPr marL="3055937" indent="-1722437" algn="l">
+            <a:lvl4pPr marL="3833812" indent="-2500312" algn="l">
               <a:spcBef>
-                <a:spcPts val="17300"/>
+                <a:spcPts val="25200"/>
               </a:spcBef>
               <a:buSzPct val="145000"/>
               <a:buChar char="•"/>
-              <a:defRPr sz="12400"/>
+              <a:defRPr sz="18000"/>
             </a:lvl4pPr>
-            <a:lvl5pPr marL="3500437" indent="-1722437" algn="l">
+            <a:lvl5pPr marL="4278312" indent="-2500312" algn="l">
               <a:spcBef>
-                <a:spcPts val="17300"/>
+                <a:spcPts val="25200"/>
               </a:spcBef>
               <a:buSzPct val="145000"/>
               <a:buChar char="•"/>
-              <a:defRPr sz="12400"/>
+              <a:defRPr sz="18000"/>
             </a:lvl5pPr>
           </a:lstStyle>
           <a:p>
@@ -1854,8 +1854,8 @@
         </p:nvSpPr>
         <p:spPr>
           <a:xfrm>
-            <a:off x="19500763" y="20232830"/>
-            <a:ext cx="6961808" cy="5088751"/>
+            <a:off x="22286586" y="29393405"/>
+            <a:ext cx="7956353" cy="5815716"/>
           </a:xfrm>
           <a:prstGeom prst="rect">
             <a:avLst/>
@@ -1881,8 +1881,8 @@
         </p:nvSpPr>
         <p:spPr>
           <a:xfrm>
-            <a:off x="19500763" y="14580505"/>
-            <a:ext cx="6961808" cy="5088751"/>
+            <a:off x="22286586" y="22933605"/>
+            <a:ext cx="7956353" cy="5815716"/>
           </a:xfrm>
           <a:prstGeom prst="rect">
             <a:avLst/>
@@ -1908,8 +1908,8 @@
         </p:nvSpPr>
         <p:spPr>
           <a:xfrm>
-            <a:off x="11958804" y="14580505"/>
-            <a:ext cx="6961809" cy="10741076"/>
+            <a:off x="13667205" y="22933605"/>
+            <a:ext cx="7956353" cy="12275517"/>
           </a:xfrm>
           <a:prstGeom prst="rect">
             <a:avLst/>
@@ -1990,8 +1990,8 @@
         </p:nvSpPr>
         <p:spPr>
           <a:xfrm>
-            <a:off x="12373198" y="15889988"/>
-            <a:ext cx="13658404" cy="4309691"/>
+            <a:off x="14140797" y="24430157"/>
+            <a:ext cx="15609606" cy="4925362"/>
           </a:xfrm>
           <a:prstGeom prst="rect">
             <a:avLst/>
@@ -2006,7 +2006,7 @@
           </a:extLst>
         </p:spPr>
         <p:txBody>
-          <a:bodyPr lIns="66302" tIns="66302" rIns="66302" bIns="66302" anchor="b">
+          <a:bodyPr lIns="75774" tIns="75774" rIns="75774" bIns="75774" anchor="b">
             <a:normAutofit fontScale="100000" lnSpcReduction="0"/>
           </a:bodyPr>
           <a:lstStyle/>
@@ -2028,8 +2028,8 @@
         </p:nvSpPr>
         <p:spPr>
           <a:xfrm>
-            <a:off x="12373198" y="20315708"/>
-            <a:ext cx="13658404" cy="1475242"/>
+            <a:off x="14140797" y="29488124"/>
+            <a:ext cx="15609606" cy="1685990"/>
           </a:xfrm>
           <a:prstGeom prst="rect">
             <a:avLst/>
@@ -2044,7 +2044,7 @@
           </a:extLst>
         </p:spPr>
         <p:txBody>
-          <a:bodyPr lIns="66302" tIns="66302" rIns="66302" bIns="66302">
+          <a:bodyPr lIns="75774" tIns="75774" rIns="75774" bIns="75774">
             <a:normAutofit fontScale="100000" lnSpcReduction="0"/>
           </a:bodyPr>
           <a:lstStyle/>
@@ -2090,8 +2090,8 @@
         </p:nvSpPr>
         <p:spPr>
           <a:xfrm>
-            <a:off x="18687532" y="25885154"/>
-            <a:ext cx="1020896" cy="1062267"/>
+            <a:off x="21222915" y="35853205"/>
+            <a:ext cx="1435267" cy="1502696"/>
           </a:xfrm>
           <a:prstGeom prst="rect">
             <a:avLst/>
@@ -2101,12 +2101,12 @@
           </a:ln>
         </p:spPr>
         <p:txBody>
-          <a:bodyPr wrap="none" lIns="66302" tIns="66302" rIns="66302" bIns="66302">
+          <a:bodyPr wrap="none" lIns="75774" tIns="75774" rIns="75774" bIns="75774">
             <a:spAutoFit/>
           </a:bodyPr>
           <a:lstStyle>
             <a:lvl1pPr>
-              <a:defRPr b="0" sz="6200">
+              <a:defRPr b="0" sz="9000">
                 <a:latin typeface="Helvetica Neue Light"/>
                 <a:ea typeface="Helvetica Neue Light"/>
                 <a:cs typeface="Helvetica Neue Light"/>
@@ -2140,7 +2140,7 @@
   <p:transition xmlns:p14="http://schemas.microsoft.com/office/powerpoint/2010/main" spd="med" advClick="1"/>
   <p:txStyles>
     <p:titleStyle>
-      <a:lvl1pPr marL="0" marR="0" indent="0" algn="ctr" defTabSz="2409825" rtl="0" latinLnBrk="0">
+      <a:lvl1pPr marL="0" marR="0" indent="0" algn="ctr" defTabSz="3505200" rtl="0" latinLnBrk="0">
         <a:lnSpc>
           <a:spcPct val="100000"/>
         </a:lnSpc>
@@ -2155,7 +2155,7 @@
         <a:buFontTx/>
         <a:buNone/>
         <a:tabLst/>
-        <a:defRPr b="0" baseline="0" cap="none" i="0" spc="0" strike="noStrike" sz="32000" u="none">
+        <a:defRPr b="0" baseline="0" cap="none" i="0" spc="0" strike="noStrike" sz="46400" u="none">
           <a:ln>
             <a:noFill/>
           </a:ln>
@@ -2169,7 +2169,7 @@
           <a:sym typeface="Helvetica Neue Medium"/>
         </a:defRPr>
       </a:lvl1pPr>
-      <a:lvl2pPr marL="0" marR="0" indent="0" algn="ctr" defTabSz="2409825" rtl="0" latinLnBrk="0">
+      <a:lvl2pPr marL="0" marR="0" indent="0" algn="ctr" defTabSz="3505200" rtl="0" latinLnBrk="0">
         <a:lnSpc>
           <a:spcPct val="100000"/>
         </a:lnSpc>
@@ -2184,7 +2184,7 @@
         <a:buFontTx/>
         <a:buNone/>
         <a:tabLst/>
-        <a:defRPr b="0" baseline="0" cap="none" i="0" spc="0" strike="noStrike" sz="32000" u="none">
+        <a:defRPr b="0" baseline="0" cap="none" i="0" spc="0" strike="noStrike" sz="46400" u="none">
           <a:ln>
             <a:noFill/>
           </a:ln>
@@ -2198,7 +2198,7 @@
           <a:sym typeface="Helvetica Neue Medium"/>
         </a:defRPr>
       </a:lvl2pPr>
-      <a:lvl3pPr marL="0" marR="0" indent="0" algn="ctr" defTabSz="2409825" rtl="0" latinLnBrk="0">
+      <a:lvl3pPr marL="0" marR="0" indent="0" algn="ctr" defTabSz="3505200" rtl="0" latinLnBrk="0">
         <a:lnSpc>
           <a:spcPct val="100000"/>
         </a:lnSpc>
@@ -2213,7 +2213,7 @@
         <a:buFontTx/>
         <a:buNone/>
         <a:tabLst/>
-        <a:defRPr b="0" baseline="0" cap="none" i="0" spc="0" strike="noStrike" sz="32000" u="none">
+        <a:defRPr b="0" baseline="0" cap="none" i="0" spc="0" strike="noStrike" sz="46400" u="none">
           <a:ln>
             <a:noFill/>
           </a:ln>
@@ -2227,7 +2227,7 @@
           <a:sym typeface="Helvetica Neue Medium"/>
         </a:defRPr>
       </a:lvl3pPr>
-      <a:lvl4pPr marL="0" marR="0" indent="0" algn="ctr" defTabSz="2409825" rtl="0" latinLnBrk="0">
+      <a:lvl4pPr marL="0" marR="0" indent="0" algn="ctr" defTabSz="3505200" rtl="0" latinLnBrk="0">
         <a:lnSpc>
           <a:spcPct val="100000"/>
         </a:lnSpc>
@@ -2242,7 +2242,7 @@
         <a:buFontTx/>
         <a:buNone/>
         <a:tabLst/>
-        <a:defRPr b="0" baseline="0" cap="none" i="0" spc="0" strike="noStrike" sz="32000" u="none">
+        <a:defRPr b="0" baseline="0" cap="none" i="0" spc="0" strike="noStrike" sz="46400" u="none">
           <a:ln>
             <a:noFill/>
           </a:ln>
@@ -2256,7 +2256,7 @@
           <a:sym typeface="Helvetica Neue Medium"/>
         </a:defRPr>
       </a:lvl4pPr>
-      <a:lvl5pPr marL="0" marR="0" indent="0" algn="ctr" defTabSz="2409825" rtl="0" latinLnBrk="0">
+      <a:lvl5pPr marL="0" marR="0" indent="0" algn="ctr" defTabSz="3505200" rtl="0" latinLnBrk="0">
         <a:lnSpc>
           <a:spcPct val="100000"/>
         </a:lnSpc>
@@ -2271,7 +2271,7 @@
         <a:buFontTx/>
         <a:buNone/>
         <a:tabLst/>
-        <a:defRPr b="0" baseline="0" cap="none" i="0" spc="0" strike="noStrike" sz="32000" u="none">
+        <a:defRPr b="0" baseline="0" cap="none" i="0" spc="0" strike="noStrike" sz="46400" u="none">
           <a:ln>
             <a:noFill/>
           </a:ln>
@@ -2285,7 +2285,7 @@
           <a:sym typeface="Helvetica Neue Medium"/>
         </a:defRPr>
       </a:lvl5pPr>
-      <a:lvl6pPr marL="0" marR="0" indent="0" algn="ctr" defTabSz="2409825" rtl="0" latinLnBrk="0">
+      <a:lvl6pPr marL="0" marR="0" indent="0" algn="ctr" defTabSz="3505200" rtl="0" latinLnBrk="0">
         <a:lnSpc>
           <a:spcPct val="100000"/>
         </a:lnSpc>
@@ -2300,7 +2300,7 @@
         <a:buFontTx/>
         <a:buNone/>
         <a:tabLst/>
-        <a:defRPr b="0" baseline="0" cap="none" i="0" spc="0" strike="noStrike" sz="32000" u="none">
+        <a:defRPr b="0" baseline="0" cap="none" i="0" spc="0" strike="noStrike" sz="46400" u="none">
           <a:ln>
             <a:noFill/>
           </a:ln>
@@ -2314,7 +2314,7 @@
           <a:sym typeface="Helvetica Neue Medium"/>
         </a:defRPr>
       </a:lvl6pPr>
-      <a:lvl7pPr marL="0" marR="0" indent="0" algn="ctr" defTabSz="2409825" rtl="0" latinLnBrk="0">
+      <a:lvl7pPr marL="0" marR="0" indent="0" algn="ctr" defTabSz="3505200" rtl="0" latinLnBrk="0">
         <a:lnSpc>
           <a:spcPct val="100000"/>
         </a:lnSpc>
@@ -2329,7 +2329,7 @@
         <a:buFontTx/>
         <a:buNone/>
         <a:tabLst/>
-        <a:defRPr b="0" baseline="0" cap="none" i="0" spc="0" strike="noStrike" sz="32000" u="none">
+        <a:defRPr b="0" baseline="0" cap="none" i="0" spc="0" strike="noStrike" sz="46400" u="none">
           <a:ln>
             <a:noFill/>
           </a:ln>
@@ -2343,7 +2343,7 @@
           <a:sym typeface="Helvetica Neue Medium"/>
         </a:defRPr>
       </a:lvl7pPr>
-      <a:lvl8pPr marL="0" marR="0" indent="0" algn="ctr" defTabSz="2409825" rtl="0" latinLnBrk="0">
+      <a:lvl8pPr marL="0" marR="0" indent="0" algn="ctr" defTabSz="3505200" rtl="0" latinLnBrk="0">
         <a:lnSpc>
           <a:spcPct val="100000"/>
         </a:lnSpc>
@@ -2358,7 +2358,7 @@
         <a:buFontTx/>
         <a:buNone/>
         <a:tabLst/>
-        <a:defRPr b="0" baseline="0" cap="none" i="0" spc="0" strike="noStrike" sz="32000" u="none">
+        <a:defRPr b="0" baseline="0" cap="none" i="0" spc="0" strike="noStrike" sz="46400" u="none">
           <a:ln>
             <a:noFill/>
           </a:ln>
@@ -2372,7 +2372,7 @@
           <a:sym typeface="Helvetica Neue Medium"/>
         </a:defRPr>
       </a:lvl8pPr>
-      <a:lvl9pPr marL="0" marR="0" indent="0" algn="ctr" defTabSz="2409825" rtl="0" latinLnBrk="0">
+      <a:lvl9pPr marL="0" marR="0" indent="0" algn="ctr" defTabSz="3505200" rtl="0" latinLnBrk="0">
         <a:lnSpc>
           <a:spcPct val="100000"/>
         </a:lnSpc>
@@ -2387,7 +2387,7 @@
         <a:buFontTx/>
         <a:buNone/>
         <a:tabLst/>
-        <a:defRPr b="0" baseline="0" cap="none" i="0" spc="0" strike="noStrike" sz="32000" u="none">
+        <a:defRPr b="0" baseline="0" cap="none" i="0" spc="0" strike="noStrike" sz="46400" u="none">
           <a:ln>
             <a:noFill/>
           </a:ln>
@@ -2403,7 +2403,7 @@
       </a:lvl9pPr>
     </p:titleStyle>
     <p:bodyStyle>
-      <a:lvl1pPr marL="0" marR="0" indent="0" algn="ctr" defTabSz="2409825" rtl="0" latinLnBrk="0">
+      <a:lvl1pPr marL="0" marR="0" indent="0" algn="ctr" defTabSz="3505200" rtl="0" latinLnBrk="0">
         <a:lnSpc>
           <a:spcPct val="100000"/>
         </a:lnSpc>
@@ -2418,7 +2418,7 @@
         <a:buFontTx/>
         <a:buNone/>
         <a:tabLst/>
-        <a:defRPr b="0" baseline="0" cap="none" i="0" spc="0" strike="noStrike" sz="14400" u="none">
+        <a:defRPr b="0" baseline="0" cap="none" i="0" spc="0" strike="noStrike" sz="20800" u="none">
           <a:ln>
             <a:noFill/>
           </a:ln>
@@ -2432,7 +2432,7 @@
           <a:sym typeface="Helvetica Neue"/>
         </a:defRPr>
       </a:lvl1pPr>
-      <a:lvl2pPr marL="0" marR="0" indent="0" algn="ctr" defTabSz="2409825" rtl="0" latinLnBrk="0">
+      <a:lvl2pPr marL="0" marR="0" indent="0" algn="ctr" defTabSz="3505200" rtl="0" latinLnBrk="0">
         <a:lnSpc>
           <a:spcPct val="100000"/>
         </a:lnSpc>
@@ -2447,7 +2447,7 @@
         <a:buFontTx/>
         <a:buNone/>
         <a:tabLst/>
-        <a:defRPr b="0" baseline="0" cap="none" i="0" spc="0" strike="noStrike" sz="14400" u="none">
+        <a:defRPr b="0" baseline="0" cap="none" i="0" spc="0" strike="noStrike" sz="20800" u="none">
           <a:ln>
             <a:noFill/>
           </a:ln>
@@ -2461,7 +2461,7 @@
           <a:sym typeface="Helvetica Neue"/>
         </a:defRPr>
       </a:lvl2pPr>
-      <a:lvl3pPr marL="0" marR="0" indent="0" algn="ctr" defTabSz="2409825" rtl="0" latinLnBrk="0">
+      <a:lvl3pPr marL="0" marR="0" indent="0" algn="ctr" defTabSz="3505200" rtl="0" latinLnBrk="0">
         <a:lnSpc>
           <a:spcPct val="100000"/>
         </a:lnSpc>
@@ -2476,7 +2476,7 @@
         <a:buFontTx/>
         <a:buNone/>
         <a:tabLst/>
-        <a:defRPr b="0" baseline="0" cap="none" i="0" spc="0" strike="noStrike" sz="14400" u="none">
+        <a:defRPr b="0" baseline="0" cap="none" i="0" spc="0" strike="noStrike" sz="20800" u="none">
           <a:ln>
             <a:noFill/>
           </a:ln>
@@ -2490,7 +2490,7 @@
           <a:sym typeface="Helvetica Neue"/>
         </a:defRPr>
       </a:lvl3pPr>
-      <a:lvl4pPr marL="0" marR="0" indent="0" algn="ctr" defTabSz="2409825" rtl="0" latinLnBrk="0">
+      <a:lvl4pPr marL="0" marR="0" indent="0" algn="ctr" defTabSz="3505200" rtl="0" latinLnBrk="0">
         <a:lnSpc>
           <a:spcPct val="100000"/>
         </a:lnSpc>
@@ -2505,7 +2505,7 @@
         <a:buFontTx/>
         <a:buNone/>
         <a:tabLst/>
-        <a:defRPr b="0" baseline="0" cap="none" i="0" spc="0" strike="noStrike" sz="14400" u="none">
+        <a:defRPr b="0" baseline="0" cap="none" i="0" spc="0" strike="noStrike" sz="20800" u="none">
           <a:ln>
             <a:noFill/>
           </a:ln>
@@ -2519,7 +2519,7 @@
           <a:sym typeface="Helvetica Neue"/>
         </a:defRPr>
       </a:lvl4pPr>
-      <a:lvl5pPr marL="0" marR="0" indent="0" algn="ctr" defTabSz="2409825" rtl="0" latinLnBrk="0">
+      <a:lvl5pPr marL="0" marR="0" indent="0" algn="ctr" defTabSz="3505200" rtl="0" latinLnBrk="0">
         <a:lnSpc>
           <a:spcPct val="100000"/>
         </a:lnSpc>
@@ -2534,7 +2534,7 @@
         <a:buFontTx/>
         <a:buNone/>
         <a:tabLst/>
-        <a:defRPr b="0" baseline="0" cap="none" i="0" spc="0" strike="noStrike" sz="14400" u="none">
+        <a:defRPr b="0" baseline="0" cap="none" i="0" spc="0" strike="noStrike" sz="20800" u="none">
           <a:ln>
             <a:noFill/>
           </a:ln>
@@ -2548,7 +2548,7 @@
           <a:sym typeface="Helvetica Neue"/>
         </a:defRPr>
       </a:lvl5pPr>
-      <a:lvl6pPr marL="0" marR="0" indent="0" algn="ctr" defTabSz="2409825" rtl="0" latinLnBrk="0">
+      <a:lvl6pPr marL="0" marR="0" indent="0" algn="ctr" defTabSz="3505200" rtl="0" latinLnBrk="0">
         <a:lnSpc>
           <a:spcPct val="100000"/>
         </a:lnSpc>
@@ -2563,7 +2563,7 @@
         <a:buFontTx/>
         <a:buNone/>
         <a:tabLst/>
-        <a:defRPr b="0" baseline="0" cap="none" i="0" spc="0" strike="noStrike" sz="14400" u="none">
+        <a:defRPr b="0" baseline="0" cap="none" i="0" spc="0" strike="noStrike" sz="20800" u="none">
           <a:ln>
             <a:noFill/>
           </a:ln>
@@ -2577,7 +2577,7 @@
           <a:sym typeface="Helvetica Neue"/>
         </a:defRPr>
       </a:lvl6pPr>
-      <a:lvl7pPr marL="0" marR="0" indent="0" algn="ctr" defTabSz="2409825" rtl="0" latinLnBrk="0">
+      <a:lvl7pPr marL="0" marR="0" indent="0" algn="ctr" defTabSz="3505200" rtl="0" latinLnBrk="0">
         <a:lnSpc>
           <a:spcPct val="100000"/>
         </a:lnSpc>
@@ -2592,7 +2592,7 @@
         <a:buFontTx/>
         <a:buNone/>
         <a:tabLst/>
-        <a:defRPr b="0" baseline="0" cap="none" i="0" spc="0" strike="noStrike" sz="14400" u="none">
+        <a:defRPr b="0" baseline="0" cap="none" i="0" spc="0" strike="noStrike" sz="20800" u="none">
           <a:ln>
             <a:noFill/>
           </a:ln>
@@ -2606,7 +2606,7 @@
           <a:sym typeface="Helvetica Neue"/>
         </a:defRPr>
       </a:lvl7pPr>
-      <a:lvl8pPr marL="0" marR="0" indent="0" algn="ctr" defTabSz="2409825" rtl="0" latinLnBrk="0">
+      <a:lvl8pPr marL="0" marR="0" indent="0" algn="ctr" defTabSz="3505200" rtl="0" latinLnBrk="0">
         <a:lnSpc>
           <a:spcPct val="100000"/>
         </a:lnSpc>
@@ -2621,7 +2621,7 @@
         <a:buFontTx/>
         <a:buNone/>
         <a:tabLst/>
-        <a:defRPr b="0" baseline="0" cap="none" i="0" spc="0" strike="noStrike" sz="14400" u="none">
+        <a:defRPr b="0" baseline="0" cap="none" i="0" spc="0" strike="noStrike" sz="20800" u="none">
           <a:ln>
             <a:noFill/>
           </a:ln>
@@ -2635,7 +2635,7 @@
           <a:sym typeface="Helvetica Neue"/>
         </a:defRPr>
       </a:lvl8pPr>
-      <a:lvl9pPr marL="0" marR="0" indent="0" algn="ctr" defTabSz="2409825" rtl="0" latinLnBrk="0">
+      <a:lvl9pPr marL="0" marR="0" indent="0" algn="ctr" defTabSz="3505200" rtl="0" latinLnBrk="0">
         <a:lnSpc>
           <a:spcPct val="100000"/>
         </a:lnSpc>
@@ -2650,7 +2650,7 @@
         <a:buFontTx/>
         <a:buNone/>
         <a:tabLst/>
-        <a:defRPr b="0" baseline="0" cap="none" i="0" spc="0" strike="noStrike" sz="14400" u="none">
+        <a:defRPr b="0" baseline="0" cap="none" i="0" spc="0" strike="noStrike" sz="20800" u="none">
           <a:ln>
             <a:noFill/>
           </a:ln>
@@ -2666,7 +2666,7 @@
       </a:lvl9pPr>
     </p:bodyStyle>
     <p:otherStyle>
-      <a:lvl1pPr marL="0" marR="0" indent="0" algn="ctr" defTabSz="2409825" latinLnBrk="0">
+      <a:lvl1pPr marL="0" marR="0" indent="0" algn="ctr" defTabSz="3505200" latinLnBrk="0">
         <a:lnSpc>
           <a:spcPct val="100000"/>
         </a:lnSpc>
@@ -2681,7 +2681,7 @@
         <a:buFontTx/>
         <a:buNone/>
         <a:tabLst/>
-        <a:defRPr b="0" baseline="0" cap="none" i="0" spc="0" strike="noStrike" sz="6200" u="none">
+        <a:defRPr b="0" baseline="0" cap="none" i="0" spc="0" strike="noStrike" sz="9000" u="none">
           <a:ln>
             <a:noFill/>
           </a:ln>
@@ -2695,7 +2695,7 @@
           <a:sym typeface="Helvetica Neue Light"/>
         </a:defRPr>
       </a:lvl1pPr>
-      <a:lvl2pPr marL="0" marR="0" indent="228600" algn="ctr" defTabSz="2409825" latinLnBrk="0">
+      <a:lvl2pPr marL="0" marR="0" indent="228600" algn="ctr" defTabSz="3505200" latinLnBrk="0">
         <a:lnSpc>
           <a:spcPct val="100000"/>
         </a:lnSpc>
@@ -2710,7 +2710,7 @@
         <a:buFontTx/>
         <a:buNone/>
         <a:tabLst/>
-        <a:defRPr b="0" baseline="0" cap="none" i="0" spc="0" strike="noStrike" sz="6200" u="none">
+        <a:defRPr b="0" baseline="0" cap="none" i="0" spc="0" strike="noStrike" sz="9000" u="none">
           <a:ln>
             <a:noFill/>
           </a:ln>
@@ -2724,7 +2724,7 @@
           <a:sym typeface="Helvetica Neue Light"/>
         </a:defRPr>
       </a:lvl2pPr>
-      <a:lvl3pPr marL="0" marR="0" indent="457200" algn="ctr" defTabSz="2409825" latinLnBrk="0">
+      <a:lvl3pPr marL="0" marR="0" indent="457200" algn="ctr" defTabSz="3505200" latinLnBrk="0">
         <a:lnSpc>
           <a:spcPct val="100000"/>
         </a:lnSpc>
@@ -2739,7 +2739,7 @@
         <a:buFontTx/>
         <a:buNone/>
         <a:tabLst/>
-        <a:defRPr b="0" baseline="0" cap="none" i="0" spc="0" strike="noStrike" sz="6200" u="none">
+        <a:defRPr b="0" baseline="0" cap="none" i="0" spc="0" strike="noStrike" sz="9000" u="none">
           <a:ln>
             <a:noFill/>
           </a:ln>
@@ -2753,7 +2753,7 @@
           <a:sym typeface="Helvetica Neue Light"/>
         </a:defRPr>
       </a:lvl3pPr>
-      <a:lvl4pPr marL="0" marR="0" indent="685800" algn="ctr" defTabSz="2409825" latinLnBrk="0">
+      <a:lvl4pPr marL="0" marR="0" indent="685800" algn="ctr" defTabSz="3505200" latinLnBrk="0">
         <a:lnSpc>
           <a:spcPct val="100000"/>
         </a:lnSpc>
@@ -2768,7 +2768,7 @@
         <a:buFontTx/>
         <a:buNone/>
         <a:tabLst/>
-        <a:defRPr b="0" baseline="0" cap="none" i="0" spc="0" strike="noStrike" sz="6200" u="none">
+        <a:defRPr b="0" baseline="0" cap="none" i="0" spc="0" strike="noStrike" sz="9000" u="none">
           <a:ln>
             <a:noFill/>
           </a:ln>
@@ -2782,7 +2782,7 @@
           <a:sym typeface="Helvetica Neue Light"/>
         </a:defRPr>
       </a:lvl4pPr>
-      <a:lvl5pPr marL="0" marR="0" indent="914400" algn="ctr" defTabSz="2409825" latinLnBrk="0">
+      <a:lvl5pPr marL="0" marR="0" indent="914400" algn="ctr" defTabSz="3505200" latinLnBrk="0">
         <a:lnSpc>
           <a:spcPct val="100000"/>
         </a:lnSpc>
@@ -2797,7 +2797,7 @@
         <a:buFontTx/>
         <a:buNone/>
         <a:tabLst/>
-        <a:defRPr b="0" baseline="0" cap="none" i="0" spc="0" strike="noStrike" sz="6200" u="none">
+        <a:defRPr b="0" baseline="0" cap="none" i="0" spc="0" strike="noStrike" sz="9000" u="none">
           <a:ln>
             <a:noFill/>
           </a:ln>
@@ -2811,7 +2811,7 @@
           <a:sym typeface="Helvetica Neue Light"/>
         </a:defRPr>
       </a:lvl5pPr>
-      <a:lvl6pPr marL="0" marR="0" indent="1143000" algn="ctr" defTabSz="2409825" latinLnBrk="0">
+      <a:lvl6pPr marL="0" marR="0" indent="1143000" algn="ctr" defTabSz="3505200" latinLnBrk="0">
         <a:lnSpc>
           <a:spcPct val="100000"/>
         </a:lnSpc>
@@ -2826,7 +2826,7 @@
         <a:buFontTx/>
         <a:buNone/>
         <a:tabLst/>
-        <a:defRPr b="0" baseline="0" cap="none" i="0" spc="0" strike="noStrike" sz="6200" u="none">
+        <a:defRPr b="0" baseline="0" cap="none" i="0" spc="0" strike="noStrike" sz="9000" u="none">
           <a:ln>
             <a:noFill/>
           </a:ln>
@@ -2840,7 +2840,7 @@
           <a:sym typeface="Helvetica Neue Light"/>
         </a:defRPr>
       </a:lvl6pPr>
-      <a:lvl7pPr marL="0" marR="0" indent="1371600" algn="ctr" defTabSz="2409825" latinLnBrk="0">
+      <a:lvl7pPr marL="0" marR="0" indent="1371600" algn="ctr" defTabSz="3505200" latinLnBrk="0">
         <a:lnSpc>
           <a:spcPct val="100000"/>
         </a:lnSpc>
@@ -2855,7 +2855,7 @@
         <a:buFontTx/>
         <a:buNone/>
         <a:tabLst/>
-        <a:defRPr b="0" baseline="0" cap="none" i="0" spc="0" strike="noStrike" sz="6200" u="none">
+        <a:defRPr b="0" baseline="0" cap="none" i="0" spc="0" strike="noStrike" sz="9000" u="none">
           <a:ln>
             <a:noFill/>
           </a:ln>
@@ -2869,7 +2869,7 @@
           <a:sym typeface="Helvetica Neue Light"/>
         </a:defRPr>
       </a:lvl7pPr>
-      <a:lvl8pPr marL="0" marR="0" indent="1600200" algn="ctr" defTabSz="2409825" latinLnBrk="0">
+      <a:lvl8pPr marL="0" marR="0" indent="1600200" algn="ctr" defTabSz="3505200" latinLnBrk="0">
         <a:lnSpc>
           <a:spcPct val="100000"/>
         </a:lnSpc>
@@ -2884,7 +2884,7 @@
         <a:buFontTx/>
         <a:buNone/>
         <a:tabLst/>
-        <a:defRPr b="0" baseline="0" cap="none" i="0" spc="0" strike="noStrike" sz="6200" u="none">
+        <a:defRPr b="0" baseline="0" cap="none" i="0" spc="0" strike="noStrike" sz="9000" u="none">
           <a:ln>
             <a:noFill/>
           </a:ln>
@@ -2898,7 +2898,7 @@
           <a:sym typeface="Helvetica Neue Light"/>
         </a:defRPr>
       </a:lvl8pPr>
-      <a:lvl9pPr marL="0" marR="0" indent="1828800" algn="ctr" defTabSz="2409825" latinLnBrk="0">
+      <a:lvl9pPr marL="0" marR="0" indent="1828800" algn="ctr" defTabSz="3505200" latinLnBrk="0">
         <a:lnSpc>
           <a:spcPct val="100000"/>
         </a:lnSpc>
@@ -2913,7 +2913,7 @@
         <a:buFontTx/>
         <a:buNone/>
         <a:tabLst/>
-        <a:defRPr b="0" baseline="0" cap="none" i="0" spc="0" strike="noStrike" sz="6200" u="none">
+        <a:defRPr b="0" baseline="0" cap="none" i="0" spc="0" strike="noStrike" sz="9000" u="none">
           <a:ln>
             <a:noFill/>
           </a:ln>
@@ -2964,8 +2964,8 @@
         </p:nvSpPr>
         <p:spPr>
           <a:xfrm>
-            <a:off x="0" y="19987821"/>
-            <a:ext cx="13427903" cy="1651001"/>
+            <a:off x="-1" y="29113396"/>
+            <a:ext cx="15346176" cy="1886858"/>
           </a:xfrm>
           <a:prstGeom prst="roundRect">
             <a:avLst>
@@ -2980,11 +2980,11 @@
           </a:ln>
         </p:spPr>
         <p:txBody>
-          <a:bodyPr lIns="66302" tIns="66302" rIns="66302" bIns="66302" anchor="ctr"/>
+          <a:bodyPr lIns="75774" tIns="75774" rIns="75774" bIns="75774" anchor="ctr"/>
           <a:lstStyle/>
           <a:p>
             <a:pPr>
-              <a:defRPr b="0" sz="8000">
+              <a:defRPr b="0" sz="11600">
                 <a:latin typeface="+mn-lt"/>
                 <a:ea typeface="+mn-ea"/>
                 <a:cs typeface="+mn-cs"/>
@@ -3002,8 +3002,8 @@
         </p:nvSpPr>
         <p:spPr>
           <a:xfrm>
-            <a:off x="-1" y="0"/>
-            <a:ext cx="38404801" cy="19611096"/>
+            <a:off x="-2" y="-2"/>
+            <a:ext cx="43891204" cy="28682855"/>
           </a:xfrm>
           <a:prstGeom prst="rect">
             <a:avLst/>
@@ -3019,11 +3019,11 @@
           </a:ln>
         </p:spPr>
         <p:txBody>
-          <a:bodyPr lIns="66302" tIns="66302" rIns="66302" bIns="66302" anchor="ctr"/>
+          <a:bodyPr lIns="75774" tIns="75774" rIns="75774" bIns="75774" anchor="ctr"/>
           <a:lstStyle/>
           <a:p>
             <a:pPr>
-              <a:defRPr b="0" sz="8000">
+              <a:defRPr b="0" sz="11600">
                 <a:latin typeface="+mn-lt"/>
                 <a:ea typeface="+mn-ea"/>
                 <a:cs typeface="+mn-cs"/>
@@ -3041,8 +3041,8 @@
         </p:nvSpPr>
         <p:spPr>
           <a:xfrm>
-            <a:off x="14743546" y="7496220"/>
-            <a:ext cx="23291527" cy="1656458"/>
+            <a:off x="16849767" y="14837280"/>
+            <a:ext cx="26618888" cy="1893095"/>
           </a:xfrm>
           <a:prstGeom prst="roundRect">
             <a:avLst>
@@ -3057,11 +3057,11 @@
           </a:ln>
         </p:spPr>
         <p:txBody>
-          <a:bodyPr lIns="66302" tIns="66302" rIns="66302" bIns="66302" anchor="ctr"/>
+          <a:bodyPr lIns="75774" tIns="75774" rIns="75774" bIns="75774" anchor="ctr"/>
           <a:lstStyle/>
           <a:p>
             <a:pPr>
-              <a:defRPr b="0" sz="8000">
+              <a:defRPr b="0" sz="11600">
                 <a:latin typeface="+mn-lt"/>
                 <a:ea typeface="+mn-ea"/>
                 <a:cs typeface="+mn-cs"/>
@@ -3079,8 +3079,8 @@
         </p:nvSpPr>
         <p:spPr>
           <a:xfrm>
-            <a:off x="-1" y="34155822"/>
-            <a:ext cx="38404801" cy="6077778"/>
+            <a:off x="5507" y="49236486"/>
+            <a:ext cx="43891204" cy="9285114"/>
           </a:xfrm>
           <a:prstGeom prst="rect">
             <a:avLst/>
@@ -3096,11 +3096,11 @@
           </a:ln>
         </p:spPr>
         <p:txBody>
-          <a:bodyPr lIns="66302" tIns="66302" rIns="66302" bIns="66302" anchor="ctr"/>
+          <a:bodyPr lIns="75774" tIns="75774" rIns="75774" bIns="75774" anchor="ctr"/>
           <a:lstStyle/>
           <a:p>
             <a:pPr>
-              <a:defRPr b="0" sz="8000">
+              <a:defRPr b="0" sz="11600">
                 <a:latin typeface="+mn-lt"/>
                 <a:ea typeface="+mn-ea"/>
                 <a:cs typeface="+mn-cs"/>
@@ -3118,8 +3118,8 @@
         </p:nvSpPr>
         <p:spPr>
           <a:xfrm>
-            <a:off x="456466" y="40024"/>
-            <a:ext cx="33127728" cy="5136407"/>
+            <a:off x="521675" y="844027"/>
+            <a:ext cx="37860261" cy="10971951"/>
           </a:xfrm>
           <a:prstGeom prst="rect">
             <a:avLst/>
@@ -3134,13 +3134,13 @@
           </a:extLst>
         </p:spPr>
         <p:txBody>
-          <a:bodyPr lIns="66302" tIns="66302" rIns="66302" bIns="66302" anchor="ctr">
+          <a:bodyPr lIns="75774" tIns="75774" rIns="75774" bIns="75774" anchor="ctr">
             <a:spAutoFit/>
           </a:bodyPr>
           <a:lstStyle/>
           <a:p>
             <a:pPr>
-              <a:defRPr b="0" sz="14400">
+              <a:defRPr b="0" sz="20800">
                 <a:solidFill>
                   <a:srgbClr val="000000"/>
                 </a:solidFill>
@@ -3192,8 +3192,8 @@
         </p:nvSpPr>
         <p:spPr>
           <a:xfrm>
-            <a:off x="9481046" y="5509576"/>
-            <a:ext cx="27033426" cy="1954895"/>
+            <a:off x="10835480" y="12566829"/>
+            <a:ext cx="30895346" cy="2234166"/>
           </a:xfrm>
           <a:prstGeom prst="roundRect">
             <a:avLst>
@@ -3214,11 +3214,11 @@
           </a:ln>
         </p:spPr>
         <p:txBody>
-          <a:bodyPr lIns="66302" tIns="66302" rIns="66302" bIns="66302" anchor="ctr"/>
+          <a:bodyPr lIns="75774" tIns="75774" rIns="75774" bIns="75774" anchor="ctr"/>
           <a:lstStyle/>
           <a:p>
             <a:pPr>
-              <a:defRPr b="0" sz="8000">
+              <a:defRPr b="0" sz="11600">
                 <a:latin typeface="+mn-lt"/>
                 <a:ea typeface="+mn-ea"/>
                 <a:cs typeface="+mn-cs"/>
@@ -3236,8 +3236,8 @@
         </p:nvSpPr>
         <p:spPr>
           <a:xfrm>
-            <a:off x="-1" y="7496220"/>
-            <a:ext cx="13427904" cy="1651001"/>
+            <a:off x="-2" y="14837280"/>
+            <a:ext cx="15346177" cy="1886858"/>
           </a:xfrm>
           <a:prstGeom prst="roundRect">
             <a:avLst>
@@ -3252,11 +3252,11 @@
           </a:ln>
         </p:spPr>
         <p:txBody>
-          <a:bodyPr lIns="66302" tIns="66302" rIns="66302" bIns="66302" anchor="ctr"/>
+          <a:bodyPr lIns="75774" tIns="75774" rIns="75774" bIns="75774" anchor="ctr"/>
           <a:lstStyle/>
           <a:p>
             <a:pPr>
-              <a:defRPr b="0" sz="8000">
+              <a:defRPr b="0" sz="11600">
                 <a:latin typeface="+mn-lt"/>
                 <a:ea typeface="+mn-ea"/>
                 <a:cs typeface="+mn-cs"/>
@@ -3274,8 +3274,8 @@
         </p:nvSpPr>
         <p:spPr>
           <a:xfrm>
-            <a:off x="32528473" y="3923168"/>
-            <a:ext cx="5127712" cy="5127711"/>
+            <a:off x="37175398" y="10753791"/>
+            <a:ext cx="5860242" cy="5860242"/>
           </a:xfrm>
           <a:prstGeom prst="ellipse">
             <a:avLst/>
@@ -3294,11 +3294,11 @@
           </a:ln>
         </p:spPr>
         <p:txBody>
-          <a:bodyPr lIns="66302" tIns="66302" rIns="66302" bIns="66302" anchor="ctr"/>
+          <a:bodyPr lIns="75774" tIns="75774" rIns="75774" bIns="75774" anchor="ctr"/>
           <a:lstStyle/>
           <a:p>
             <a:pPr>
-              <a:defRPr b="0" sz="8000">
+              <a:defRPr b="0" sz="11600">
                 <a:latin typeface="+mn-lt"/>
                 <a:ea typeface="+mn-ea"/>
                 <a:cs typeface="+mn-cs"/>
@@ -3316,8 +3316,8 @@
         </p:nvSpPr>
         <p:spPr>
           <a:xfrm>
-            <a:off x="32358173" y="5036420"/>
-            <a:ext cx="5468310" cy="2901207"/>
+            <a:off x="36980770" y="12046036"/>
+            <a:ext cx="6249497" cy="3275751"/>
           </a:xfrm>
           <a:prstGeom prst="rect">
             <a:avLst/>
@@ -3332,13 +3332,13 @@
           </a:extLst>
         </p:spPr>
         <p:txBody>
-          <a:bodyPr lIns="66302" tIns="66302" rIns="66302" bIns="66302" anchor="ctr">
+          <a:bodyPr lIns="75774" tIns="75774" rIns="75774" bIns="75774" anchor="ctr">
             <a:spAutoFit/>
           </a:bodyPr>
           <a:lstStyle/>
           <a:p>
             <a:pPr>
-              <a:defRPr b="0" sz="8000">
+              <a:defRPr b="0" sz="9000">
                 <a:solidFill>
                   <a:srgbClr val="000000"/>
                 </a:solidFill>
@@ -3354,7 +3354,7 @@
           </a:p>
           <a:p>
             <a:pPr>
-              <a:defRPr b="0" sz="8000">
+              <a:defRPr b="0" sz="9000">
                 <a:solidFill>
                   <a:srgbClr val="000000"/>
                 </a:solidFill>
@@ -3378,8 +3378,8 @@
         </p:nvSpPr>
         <p:spPr>
           <a:xfrm>
-            <a:off x="9870430" y="5728570"/>
-            <a:ext cx="18663942" cy="1516907"/>
+            <a:off x="11280491" y="12604837"/>
+            <a:ext cx="21330220" cy="2158150"/>
           </a:xfrm>
           <a:prstGeom prst="rect">
             <a:avLst/>
@@ -3394,13 +3394,13 @@
           </a:extLst>
         </p:spPr>
         <p:txBody>
-          <a:bodyPr lIns="66302" tIns="66302" rIns="66302" bIns="66302" anchor="ctr">
+          <a:bodyPr lIns="75774" tIns="75774" rIns="75774" bIns="75774" anchor="ctr">
             <a:spAutoFit/>
           </a:bodyPr>
           <a:lstStyle/>
           <a:p>
             <a:pPr algn="l">
-              <a:defRPr b="0" sz="8000">
+              <a:defRPr b="0" sz="11600">
                 <a:solidFill>
                   <a:srgbClr val="000000"/>
                 </a:solidFill>
@@ -3411,7 +3411,7 @@
               </a:defRPr>
             </a:pPr>
             <a:r>
-              <a:rPr sz="7000"/>
+              <a:rPr sz="10000"/>
               <a:t>Your name</a:t>
             </a:r>
             <a:r>
@@ -3424,7 +3424,7 @@
               <a:t> </a:t>
             </a:r>
             <a:r>
-              <a:rPr sz="6000">
+              <a:rPr sz="8600">
                 <a:latin typeface="Avenir Book"/>
                 <a:ea typeface="Avenir Book"/>
                 <a:cs typeface="Avenir Book"/>
@@ -3443,13 +3443,13 @@
         </p:nvSpPr>
         <p:spPr>
           <a:xfrm flipV="1">
-            <a:off x="28016660" y="34751263"/>
-            <a:ext cx="1" cy="5110123"/>
+            <a:off x="31999150" y="49902491"/>
+            <a:ext cx="1" cy="8193721"/>
           </a:xfrm>
           <a:prstGeom prst="line">
             <a:avLst/>
           </a:prstGeom>
-          <a:ln w="127000">
+          <a:ln w="139700">
             <a:solidFill>
               <a:srgbClr val="FFFFFF"/>
             </a:solidFill>
@@ -3460,11 +3460,11 @@
           </a:ln>
         </p:spPr>
         <p:txBody>
-          <a:bodyPr lIns="66302" tIns="66302" rIns="66302" bIns="66302" anchor="ctr"/>
+          <a:bodyPr lIns="75774" tIns="75774" rIns="75774" bIns="75774" anchor="ctr"/>
           <a:lstStyle/>
           <a:p>
             <a:pPr>
-              <a:defRPr b="0" sz="8000">
+              <a:defRPr b="0" sz="11600">
                 <a:latin typeface="+mn-lt"/>
                 <a:ea typeface="+mn-ea"/>
                 <a:cs typeface="+mn-cs"/>
@@ -3482,8 +3482,8 @@
         </p:nvSpPr>
         <p:spPr>
           <a:xfrm>
-            <a:off x="28156361" y="34751264"/>
-            <a:ext cx="10295906" cy="2215407"/>
+            <a:off x="31999150" y="49728319"/>
+            <a:ext cx="11766750" cy="4533051"/>
           </a:xfrm>
           <a:prstGeom prst="rect">
             <a:avLst/>
@@ -3498,13 +3498,13 @@
           </a:extLst>
         </p:spPr>
         <p:txBody>
-          <a:bodyPr lIns="66302" tIns="66302" rIns="66302" bIns="66302" anchor="ctr">
+          <a:bodyPr lIns="75774" tIns="75774" rIns="75774" bIns="75774" anchor="ctr">
             <a:spAutoFit/>
           </a:bodyPr>
           <a:lstStyle/>
           <a:p>
             <a:pPr>
-              <a:defRPr b="0" sz="6000">
+              <a:defRPr b="0" sz="8400">
                 <a:latin typeface="Avenir Heavy"/>
                 <a:ea typeface="Avenir Heavy"/>
                 <a:cs typeface="Avenir Heavy"/>
@@ -3517,7 +3517,7 @@
           </a:p>
           <a:p>
             <a:pPr>
-              <a:defRPr b="0" sz="6000">
+              <a:defRPr b="0" sz="8400">
                 <a:solidFill>
                   <a:srgbClr val="AFFAFD"/>
                 </a:solidFill>
@@ -3541,8 +3541,8 @@
         </p:nvSpPr>
         <p:spPr>
           <a:xfrm>
-            <a:off x="31842760" y="37046039"/>
-            <a:ext cx="3249568" cy="2815346"/>
+            <a:off x="36025629" y="54878673"/>
+            <a:ext cx="3713792" cy="3217539"/>
           </a:xfrm>
           <a:custGeom>
             <a:avLst/>
@@ -3692,11 +3692,11 @@
           </a:ln>
         </p:spPr>
         <p:txBody>
-          <a:bodyPr lIns="66302" tIns="66302" rIns="66302" bIns="66302" anchor="ctr"/>
+          <a:bodyPr lIns="75774" tIns="75774" rIns="75774" bIns="75774" anchor="ctr"/>
           <a:lstStyle/>
           <a:p>
             <a:pPr>
-              <a:defRPr b="0" sz="8000">
+              <a:defRPr b="0" sz="11600">
                 <a:latin typeface="+mn-lt"/>
                 <a:ea typeface="+mn-ea"/>
                 <a:cs typeface="+mn-cs"/>
@@ -3714,13 +3714,13 @@
         </p:nvSpPr>
         <p:spPr>
           <a:xfrm flipV="1">
-            <a:off x="14085724" y="7797615"/>
-            <a:ext cx="1" cy="11220513"/>
+            <a:off x="16097970" y="15181731"/>
+            <a:ext cx="1" cy="12823444"/>
           </a:xfrm>
           <a:prstGeom prst="line">
             <a:avLst/>
           </a:prstGeom>
-          <a:ln w="127000">
+          <a:ln w="139700">
             <a:solidFill>
               <a:srgbClr val="FFFFFF"/>
             </a:solidFill>
@@ -3731,11 +3731,11 @@
           </a:ln>
         </p:spPr>
         <p:txBody>
-          <a:bodyPr lIns="66302" tIns="66302" rIns="66302" bIns="66302" anchor="ctr"/>
+          <a:bodyPr lIns="75774" tIns="75774" rIns="75774" bIns="75774" anchor="ctr"/>
           <a:lstStyle/>
           <a:p>
             <a:pPr>
-              <a:defRPr b="0" sz="8000">
+              <a:defRPr b="0" sz="11600">
                 <a:latin typeface="+mn-lt"/>
                 <a:ea typeface="+mn-ea"/>
                 <a:cs typeface="+mn-cs"/>
@@ -3753,8 +3753,8 @@
         </p:nvSpPr>
         <p:spPr>
           <a:xfrm>
-            <a:off x="456466" y="7496220"/>
-            <a:ext cx="6416719" cy="1618507"/>
+            <a:off x="521675" y="14613215"/>
+            <a:ext cx="9206752" cy="2297851"/>
           </a:xfrm>
           <a:prstGeom prst="rect">
             <a:avLst/>
@@ -3769,7 +3769,7 @@
           </a:extLst>
         </p:spPr>
         <p:txBody>
-          <a:bodyPr wrap="none" lIns="66302" tIns="66302" rIns="66302" bIns="66302" anchor="ctr">
+          <a:bodyPr wrap="none" lIns="75774" tIns="75774" rIns="75774" bIns="75774" anchor="ctr">
             <a:spAutoFit/>
           </a:bodyPr>
           <a:lstStyle>
@@ -3804,8 +3804,8 @@
         </p:nvSpPr>
         <p:spPr>
           <a:xfrm>
-            <a:off x="15001626" y="7496220"/>
-            <a:ext cx="7062210" cy="1618507"/>
+            <a:off x="17210120" y="14613215"/>
+            <a:ext cx="10137459" cy="2297851"/>
           </a:xfrm>
           <a:prstGeom prst="rect">
             <a:avLst/>
@@ -3820,7 +3820,7 @@
           </a:extLst>
         </p:spPr>
         <p:txBody>
-          <a:bodyPr wrap="none" lIns="66302" tIns="66302" rIns="66302" bIns="66302" anchor="ctr">
+          <a:bodyPr wrap="none" lIns="75774" tIns="75774" rIns="75774" bIns="75774" anchor="ctr">
             <a:spAutoFit/>
           </a:bodyPr>
           <a:lstStyle>
@@ -3855,8 +3855,8 @@
         </p:nvSpPr>
         <p:spPr>
           <a:xfrm>
-            <a:off x="456466" y="19987821"/>
-            <a:ext cx="3767042" cy="1618507"/>
+            <a:off x="521675" y="28907900"/>
+            <a:ext cx="5386287" cy="2297850"/>
           </a:xfrm>
           <a:prstGeom prst="rect">
             <a:avLst/>
@@ -3871,7 +3871,7 @@
           </a:extLst>
         </p:spPr>
         <p:txBody>
-          <a:bodyPr wrap="none" lIns="66302" tIns="66302" rIns="66302" bIns="66302" anchor="ctr">
+          <a:bodyPr wrap="none" lIns="75774" tIns="75774" rIns="75774" bIns="75774" anchor="ctr">
             <a:spAutoFit/>
           </a:bodyPr>
           <a:lstStyle>
@@ -3906,8 +3906,8 @@
         </p:nvSpPr>
         <p:spPr>
           <a:xfrm>
-            <a:off x="-1" y="34246067"/>
-            <a:ext cx="27453101" cy="1651001"/>
+            <a:off x="-19893" y="49902491"/>
+            <a:ext cx="31374974" cy="1886858"/>
           </a:xfrm>
           <a:prstGeom prst="roundRect">
             <a:avLst>
@@ -3922,11 +3922,11 @@
           </a:ln>
         </p:spPr>
         <p:txBody>
-          <a:bodyPr lIns="66302" tIns="66302" rIns="66302" bIns="66302" anchor="ctr"/>
+          <a:bodyPr lIns="75774" tIns="75774" rIns="75774" bIns="75774" anchor="ctr"/>
           <a:lstStyle/>
           <a:p>
             <a:pPr>
-              <a:defRPr b="0" sz="8000">
+              <a:defRPr b="0" sz="11600">
                 <a:latin typeface="+mn-lt"/>
                 <a:ea typeface="+mn-ea"/>
                 <a:cs typeface="+mn-cs"/>
@@ -3944,8 +3944,8 @@
         </p:nvSpPr>
         <p:spPr>
           <a:xfrm>
-            <a:off x="409000" y="34278561"/>
-            <a:ext cx="13613225" cy="1618507"/>
+            <a:off x="212969" y="49696994"/>
+            <a:ext cx="19583109" cy="2297851"/>
           </a:xfrm>
           <a:prstGeom prst="rect">
             <a:avLst/>
@@ -3960,7 +3960,7 @@
           </a:extLst>
         </p:spPr>
         <p:txBody>
-          <a:bodyPr wrap="none" lIns="66302" tIns="66302" rIns="66302" bIns="66302" anchor="ctr">
+          <a:bodyPr wrap="none" lIns="75774" tIns="75774" rIns="75774" bIns="75774" anchor="ctr">
             <a:spAutoFit/>
           </a:bodyPr>
           <a:lstStyle>
@@ -3995,8 +3995,8 @@
         </p:nvSpPr>
         <p:spPr>
           <a:xfrm>
-            <a:off x="456466" y="10132739"/>
-            <a:ext cx="11591162" cy="8359668"/>
+            <a:off x="521675" y="17439872"/>
+            <a:ext cx="14824500" cy="10375051"/>
           </a:xfrm>
           <a:prstGeom prst="rect">
             <a:avLst/>
@@ -4011,18 +4011,18 @@
           </a:extLst>
         </p:spPr>
         <p:txBody>
-          <a:bodyPr lIns="66302" tIns="66302" rIns="66302" bIns="66302" anchor="ctr">
+          <a:bodyPr lIns="75774" tIns="75774" rIns="75774" bIns="75774" anchor="ctr">
             <a:spAutoFit/>
           </a:bodyPr>
           <a:lstStyle/>
           <a:p>
-            <a:pPr marL="861218" indent="-861218" algn="l">
+            <a:pPr marL="1247282" indent="-1247282" algn="l">
               <a:lnSpc>
                 <a:spcPct val="120000"/>
               </a:lnSpc>
               <a:buSzPct val="145000"/>
               <a:buChar char="•"/>
-              <a:defRPr b="0" sz="5800">
+              <a:defRPr b="0" sz="8400">
                 <a:latin typeface="Avenir Book"/>
                 <a:ea typeface="Avenir Book"/>
                 <a:cs typeface="Avenir Book"/>
@@ -4034,13 +4034,13 @@
             </a:r>
           </a:p>
           <a:p>
-            <a:pPr marL="861218" indent="-861218" algn="l">
+            <a:pPr marL="1247282" indent="-1247282" algn="l">
               <a:lnSpc>
                 <a:spcPct val="120000"/>
               </a:lnSpc>
               <a:buSzPct val="145000"/>
               <a:buChar char="•"/>
-              <a:defRPr b="0" sz="5800">
+              <a:defRPr b="0" sz="8400">
                 <a:latin typeface="Avenir Book"/>
                 <a:ea typeface="Avenir Book"/>
                 <a:cs typeface="Avenir Book"/>
@@ -4052,31 +4052,13 @@
             </a:r>
           </a:p>
           <a:p>
-            <a:pPr marL="861218" indent="-861218" algn="l">
+            <a:pPr marL="1247282" indent="-1247282" algn="l">
               <a:lnSpc>
                 <a:spcPct val="120000"/>
               </a:lnSpc>
               <a:buSzPct val="145000"/>
               <a:buChar char="•"/>
-              <a:defRPr b="0" sz="5800">
-                <a:latin typeface="Avenir Book"/>
-                <a:ea typeface="Avenir Book"/>
-                <a:cs typeface="Avenir Book"/>
-                <a:sym typeface="Avenir Book"/>
-              </a:defRPr>
-            </a:pPr>
-            <a:r>
-              <a:t>Try not to include a plot in this section</a:t>
-            </a:r>
-          </a:p>
-          <a:p>
-            <a:pPr marL="861218" indent="-861218" algn="l">
-              <a:lnSpc>
-                <a:spcPct val="120000"/>
-              </a:lnSpc>
-              <a:buSzPct val="145000"/>
-              <a:buChar char="•"/>
-              <a:defRPr b="0" sz="5800">
+              <a:defRPr b="0" sz="8400">
                 <a:latin typeface="Avenir Book"/>
                 <a:ea typeface="Avenir Book"/>
                 <a:cs typeface="Avenir Book"/>
@@ -4112,8 +4094,8 @@
         </p:nvSpPr>
         <p:spPr>
           <a:xfrm>
-            <a:off x="15058856" y="11336699"/>
-            <a:ext cx="22660906" cy="5951747"/>
+            <a:off x="17210120" y="18316172"/>
+            <a:ext cx="25898180" cy="8622451"/>
           </a:xfrm>
           <a:prstGeom prst="rect">
             <a:avLst/>
@@ -4128,18 +4110,18 @@
           </a:extLst>
         </p:spPr>
         <p:txBody>
-          <a:bodyPr lIns="66302" tIns="66302" rIns="66302" bIns="66302" anchor="ctr">
+          <a:bodyPr lIns="75774" tIns="75774" rIns="75774" bIns="75774" anchor="ctr">
             <a:spAutoFit/>
           </a:bodyPr>
           <a:lstStyle/>
           <a:p>
-            <a:pPr marL="861218" indent="-861218" algn="l">
+            <a:pPr marL="1247282" indent="-1247282" algn="l">
               <a:lnSpc>
                 <a:spcPct val="120000"/>
               </a:lnSpc>
               <a:buSzPct val="145000"/>
               <a:buChar char="•"/>
-              <a:defRPr b="0" sz="5800">
+              <a:defRPr b="0" sz="8400">
                 <a:latin typeface="Avenir Book"/>
                 <a:ea typeface="Avenir Book"/>
                 <a:cs typeface="Avenir Book"/>
@@ -4151,13 +4133,13 @@
             </a:r>
           </a:p>
           <a:p>
-            <a:pPr marL="861218" indent="-861218" algn="l">
+            <a:pPr marL="1247282" indent="-1247282" algn="l">
               <a:lnSpc>
                 <a:spcPct val="120000"/>
               </a:lnSpc>
               <a:buSzPct val="145000"/>
               <a:buChar char="•"/>
-              <a:defRPr b="0" sz="5800">
+              <a:defRPr b="0" sz="8400">
                 <a:latin typeface="Avenir Book"/>
                 <a:ea typeface="Avenir Book"/>
                 <a:cs typeface="Avenir Book"/>
@@ -4184,7 +4166,7 @@
             </a:r>
           </a:p>
           <a:p>
-            <a:pPr lvl="1" marL="1305718" indent="-861218" algn="l">
+            <a:pPr lvl="1" marL="1691782" indent="-1247282" algn="l">
               <a:lnSpc>
                 <a:spcPct val="120000"/>
               </a:lnSpc>
@@ -4193,7 +4175,7 @@
               </a:buClr>
               <a:buSzPct val="145000"/>
               <a:buChar char="•"/>
-              <a:defRPr b="0" sz="5800">
+              <a:defRPr b="0" sz="8400">
                 <a:latin typeface="Avenir Book"/>
                 <a:ea typeface="Avenir Book"/>
                 <a:cs typeface="Avenir Book"/>
@@ -4205,7 +4187,7 @@
             </a:r>
           </a:p>
           <a:p>
-            <a:pPr lvl="1" marL="1305718" indent="-861218" algn="l">
+            <a:pPr lvl="1" marL="1691782" indent="-1247282" algn="l">
               <a:lnSpc>
                 <a:spcPct val="120000"/>
               </a:lnSpc>
@@ -4214,7 +4196,7 @@
               </a:buClr>
               <a:buSzPct val="145000"/>
               <a:buChar char="•"/>
-              <a:defRPr b="0" sz="5800">
+              <a:defRPr b="0" sz="8400">
                 <a:latin typeface="Avenir Book"/>
                 <a:ea typeface="Avenir Book"/>
                 <a:cs typeface="Avenir Book"/>
@@ -4226,7 +4208,7 @@
             </a:r>
           </a:p>
           <a:p>
-            <a:pPr lvl="1" marL="1305718" indent="-861218" algn="l">
+            <a:pPr lvl="1" marL="1691782" indent="-1247282" algn="l">
               <a:lnSpc>
                 <a:spcPct val="120000"/>
               </a:lnSpc>
@@ -4235,7 +4217,7 @@
               </a:buClr>
               <a:buSzPct val="145000"/>
               <a:buChar char="•"/>
-              <a:defRPr b="0" sz="5800">
+              <a:defRPr b="0" sz="8400">
                 <a:latin typeface="Avenir Book"/>
                 <a:ea typeface="Avenir Book"/>
                 <a:cs typeface="Avenir Book"/>
@@ -4256,8 +4238,8 @@
         </p:nvSpPr>
         <p:spPr>
           <a:xfrm>
-            <a:off x="696432" y="36058481"/>
-            <a:ext cx="26651587" cy="3802907"/>
+            <a:off x="776031" y="51661133"/>
+            <a:ext cx="30504179" cy="6435081"/>
           </a:xfrm>
           <a:prstGeom prst="rect">
             <a:avLst/>
@@ -4272,16 +4254,16 @@
           </a:extLst>
         </p:spPr>
         <p:txBody>
-          <a:bodyPr lIns="66302" tIns="66302" rIns="66302" bIns="66302" numCol="2" spcCol="1332579" anchor="ctr"/>
+          <a:bodyPr lIns="75774" tIns="75774" rIns="75774" bIns="75774" numCol="2" spcCol="1525208" anchor="ctr"/>
           <a:lstStyle/>
           <a:p>
-            <a:pPr marL="861218" indent="-861218" algn="l">
+            <a:pPr marL="1247282" indent="-1247282" algn="l">
               <a:lnSpc>
                 <a:spcPct val="120000"/>
               </a:lnSpc>
               <a:buSzPct val="145000"/>
               <a:buChar char="•"/>
-              <a:defRPr b="0" sz="5800">
+              <a:defRPr b="0" sz="8400">
                 <a:latin typeface="Avenir Book"/>
                 <a:ea typeface="Avenir Book"/>
                 <a:cs typeface="Avenir Book"/>
@@ -4308,13 +4290,13 @@
             </a:r>
           </a:p>
           <a:p>
-            <a:pPr marL="861218" indent="-861218" algn="l">
+            <a:pPr marL="1247282" indent="-1247282" algn="l">
               <a:lnSpc>
                 <a:spcPct val="120000"/>
               </a:lnSpc>
               <a:buSzPct val="145000"/>
               <a:buChar char="•"/>
-              <a:defRPr b="0" sz="5800">
+              <a:defRPr b="0" sz="8400">
                 <a:latin typeface="Avenir Book"/>
                 <a:ea typeface="Avenir Book"/>
                 <a:cs typeface="Avenir Book"/>
@@ -4338,13 +4320,13 @@
             </a:r>
           </a:p>
           <a:p>
-            <a:pPr marL="861218" indent="-861218" algn="l">
+            <a:pPr marL="1247282" indent="-1247282" algn="l">
               <a:lnSpc>
                 <a:spcPct val="120000"/>
               </a:lnSpc>
               <a:buSzPct val="145000"/>
               <a:buChar char="•"/>
-              <a:defRPr b="0" sz="5800">
+              <a:defRPr b="0" sz="8400">
                 <a:latin typeface="Avenir Book"/>
                 <a:ea typeface="Avenir Book"/>
                 <a:cs typeface="Avenir Book"/>
@@ -4361,10 +4343,10 @@
                 <a:cs typeface="Avenir Heavy"/>
                 <a:sym typeface="Avenir Heavy"/>
               </a:rPr>
-              <a:t>Where</a:t>
-            </a:r>
-            <a:r>
-              <a:t> do you plan on going from here</a:t>
+              <a:t>What</a:t>
+            </a:r>
+            <a:r>
+              <a:t> is next?</a:t>
             </a:r>
           </a:p>
         </p:txBody>
@@ -4377,8 +4359,8 @@
         </p:nvSpPr>
         <p:spPr>
           <a:xfrm>
-            <a:off x="14075922" y="22483581"/>
-            <a:ext cx="8913618" cy="8890001"/>
+            <a:off x="16028120" y="32419426"/>
+            <a:ext cx="10186993" cy="10160001"/>
           </a:xfrm>
           <a:custGeom>
             <a:avLst/>
@@ -4449,7 +4431,7 @@
                   <a:pt x="1163" y="20628"/>
                 </a:lnTo>
                 <a:cubicBezTo>
-                  <a:pt x="1056" y="20628"/>
+                  <a:pt x="1057" y="20628"/>
                   <a:pt x="970" y="20539"/>
                   <a:pt x="970" y="20432"/>
                 </a:cubicBezTo>
@@ -4665,11 +4647,11 @@
           </a:ln>
         </p:spPr>
         <p:txBody>
-          <a:bodyPr lIns="66302" tIns="66302" rIns="66302" bIns="66302" anchor="ctr"/>
+          <a:bodyPr lIns="75774" tIns="75774" rIns="75774" bIns="75774" anchor="ctr"/>
           <a:lstStyle/>
           <a:p>
             <a:pPr>
-              <a:defRPr b="0" sz="8000">
+              <a:defRPr b="0" sz="11600">
                 <a:latin typeface="+mn-lt"/>
                 <a:ea typeface="+mn-ea"/>
                 <a:cs typeface="+mn-cs"/>
@@ -4687,8 +4669,8 @@
         </p:nvSpPr>
         <p:spPr>
           <a:xfrm>
-            <a:off x="26657569" y="22483581"/>
-            <a:ext cx="8949046" cy="8890001"/>
+            <a:off x="30465794" y="32419426"/>
+            <a:ext cx="10227480" cy="10160001"/>
           </a:xfrm>
           <a:custGeom>
             <a:avLst/>
@@ -5273,11 +5255,11 @@
           </a:ln>
         </p:spPr>
         <p:txBody>
-          <a:bodyPr lIns="66302" tIns="66302" rIns="66302" bIns="66302" anchor="ctr"/>
+          <a:bodyPr lIns="75774" tIns="75774" rIns="75774" bIns="75774" anchor="ctr"/>
           <a:lstStyle/>
           <a:p>
             <a:pPr>
-              <a:defRPr b="0" sz="8000">
+              <a:defRPr b="0" sz="11600">
                 <a:latin typeface="+mn-lt"/>
                 <a:ea typeface="+mn-ea"/>
                 <a:cs typeface="+mn-cs"/>
@@ -5295,8 +5277,8 @@
         </p:nvSpPr>
         <p:spPr>
           <a:xfrm>
-            <a:off x="1494276" y="22474428"/>
-            <a:ext cx="8913619" cy="8890001"/>
+            <a:off x="1707743" y="32419426"/>
+            <a:ext cx="10186993" cy="10160001"/>
           </a:xfrm>
           <a:custGeom>
             <a:avLst/>
@@ -5355,7 +5337,7 @@
                   <a:pt x="1163" y="20628"/>
                 </a:lnTo>
                 <a:cubicBezTo>
-                  <a:pt x="1056" y="20628"/>
+                  <a:pt x="1057" y="20628"/>
                   <a:pt x="970" y="20541"/>
                   <a:pt x="970" y="20434"/>
                 </a:cubicBezTo>
@@ -5530,11 +5512,11 @@
           </a:ln>
         </p:spPr>
         <p:txBody>
-          <a:bodyPr lIns="66302" tIns="66302" rIns="66302" bIns="66302" anchor="ctr"/>
+          <a:bodyPr lIns="75774" tIns="75774" rIns="75774" bIns="75774" anchor="ctr"/>
           <a:lstStyle/>
           <a:p>
             <a:pPr>
-              <a:defRPr b="0" sz="8000">
+              <a:defRPr b="0" sz="11600">
                 <a:latin typeface="+mn-lt"/>
                 <a:ea typeface="+mn-ea"/>
                 <a:cs typeface="+mn-cs"/>
@@ -5552,8 +5534,8 @@
         </p:nvSpPr>
         <p:spPr>
           <a:xfrm>
-            <a:off x="1494276" y="31695097"/>
-            <a:ext cx="10269642" cy="2139207"/>
+            <a:off x="1707743" y="43641431"/>
+            <a:ext cx="11736735" cy="4533050"/>
           </a:xfrm>
           <a:prstGeom prst="rect">
             <a:avLst/>
@@ -5568,14 +5550,14 @@
           </a:extLst>
         </p:spPr>
         <p:txBody>
-          <a:bodyPr lIns="66302" tIns="66302" rIns="66302" bIns="66302" anchor="ctr">
+          <a:bodyPr lIns="75774" tIns="75774" rIns="75774" bIns="75774" anchor="ctr">
             <a:spAutoFit/>
           </a:bodyPr>
           <a:lstStyle>
-            <a:lvl1pPr marL="861218" indent="-861218" algn="l">
+            <a:lvl1pPr marL="1247282" indent="-1247282" algn="l">
               <a:buSzPct val="145000"/>
               <a:buChar char="•"/>
-              <a:defRPr b="0" sz="5800">
+              <a:defRPr b="0" sz="8400">
                 <a:solidFill>
                   <a:srgbClr val="000000"/>
                 </a:solidFill>
@@ -5602,8 +5584,8 @@
         </p:nvSpPr>
         <p:spPr>
           <a:xfrm>
-            <a:off x="14085724" y="31695097"/>
-            <a:ext cx="10269643" cy="2139207"/>
+            <a:off x="16167820" y="43641431"/>
+            <a:ext cx="11736735" cy="4533050"/>
           </a:xfrm>
           <a:prstGeom prst="rect">
             <a:avLst/>
@@ -5618,14 +5600,14 @@
           </a:extLst>
         </p:spPr>
         <p:txBody>
-          <a:bodyPr lIns="66302" tIns="66302" rIns="66302" bIns="66302" anchor="ctr">
+          <a:bodyPr lIns="75774" tIns="75774" rIns="75774" bIns="75774" anchor="ctr">
             <a:spAutoFit/>
           </a:bodyPr>
           <a:lstStyle>
-            <a:lvl1pPr marL="861218" indent="-861218" algn="l">
+            <a:lvl1pPr marL="1247282" indent="-1247282" algn="l">
               <a:buSzPct val="145000"/>
               <a:buChar char="•"/>
-              <a:defRPr b="0" sz="5800">
+              <a:defRPr b="0" sz="8400">
                 <a:solidFill>
                   <a:srgbClr val="000000"/>
                 </a:solidFill>
@@ -5652,8 +5634,8 @@
         </p:nvSpPr>
         <p:spPr>
           <a:xfrm>
-            <a:off x="26657569" y="31695097"/>
-            <a:ext cx="10269643" cy="2139207"/>
+            <a:off x="30465794" y="43641431"/>
+            <a:ext cx="11736734" cy="4533050"/>
           </a:xfrm>
           <a:prstGeom prst="rect">
             <a:avLst/>
@@ -5668,14 +5650,14 @@
           </a:extLst>
         </p:spPr>
         <p:txBody>
-          <a:bodyPr lIns="66302" tIns="66302" rIns="66302" bIns="66302" anchor="ctr">
+          <a:bodyPr lIns="75774" tIns="75774" rIns="75774" bIns="75774" anchor="ctr">
             <a:spAutoFit/>
           </a:bodyPr>
           <a:lstStyle>
-            <a:lvl1pPr marL="861218" indent="-861218" algn="l">
+            <a:lvl1pPr marL="1247282" indent="-1247282" algn="l">
               <a:buSzPct val="145000"/>
               <a:buChar char="•"/>
-              <a:defRPr b="0" sz="5800">
+              <a:defRPr b="0" sz="8400">
                 <a:solidFill>
                   <a:srgbClr val="000000"/>
                 </a:solidFill>
@@ -5905,11 +5887,11 @@
         <a:effectLst/>
         <a:sp3d/>
       </a:spPr>
-      <a:bodyPr rot="0" spcFirstLastPara="1" vertOverflow="overflow" horzOverflow="overflow" vert="horz" wrap="square" lIns="66302" tIns="66302" rIns="66302" bIns="66302" numCol="1" spcCol="38100" rtlCol="0" anchor="ctr" upright="0">
+      <a:bodyPr rot="0" spcFirstLastPara="1" vertOverflow="overflow" horzOverflow="overflow" vert="horz" wrap="square" lIns="75774" tIns="75774" rIns="75774" bIns="75774" numCol="1" spcCol="38100" rtlCol="0" anchor="ctr" upright="0">
         <a:spAutoFit/>
       </a:bodyPr>
       <a:lstStyle>
-        <a:defPPr marL="0" marR="0" indent="0" algn="ctr" defTabSz="2409825" rtl="0" fontAlgn="auto" latinLnBrk="0" hangingPunct="0">
+        <a:defPPr marL="0" marR="0" indent="0" algn="ctr" defTabSz="3505200" rtl="0" fontAlgn="auto" latinLnBrk="0" hangingPunct="0">
           <a:lnSpc>
             <a:spcPct val="100000"/>
           </a:lnSpc>
@@ -5924,7 +5906,7 @@
           <a:buFontTx/>
           <a:buNone/>
           <a:tabLst/>
-          <a:defRPr b="0" baseline="0" cap="none" i="0" spc="0" strike="noStrike" sz="8000" u="none" kumimoji="0" normalizeH="0">
+          <a:defRPr b="0" baseline="0" cap="none" i="0" spc="0" strike="noStrike" sz="11600" u="none" kumimoji="0" normalizeH="0">
             <a:ln>
               <a:noFill/>
             </a:ln>
@@ -6476,11 +6458,11 @@
         <a:effectLst/>
         <a:sp3d/>
       </a:spPr>
-      <a:bodyPr rot="0" spcFirstLastPara="1" vertOverflow="overflow" horzOverflow="overflow" vert="horz" wrap="square" lIns="66302" tIns="66302" rIns="66302" bIns="66302" numCol="1" spcCol="38100" rtlCol="0" anchor="ctr" upright="0">
+      <a:bodyPr rot="0" spcFirstLastPara="1" vertOverflow="overflow" horzOverflow="overflow" vert="horz" wrap="square" lIns="75774" tIns="75774" rIns="75774" bIns="75774" numCol="1" spcCol="38100" rtlCol="0" anchor="ctr" upright="0">
         <a:spAutoFit/>
       </a:bodyPr>
       <a:lstStyle>
-        <a:defPPr marL="0" marR="0" indent="0" algn="ctr" defTabSz="2409825" rtl="0" fontAlgn="auto" latinLnBrk="0" hangingPunct="0">
+        <a:defPPr marL="0" marR="0" indent="0" algn="ctr" defTabSz="3505200" rtl="0" fontAlgn="auto" latinLnBrk="0" hangingPunct="0">
           <a:lnSpc>
             <a:spcPct val="100000"/>
           </a:lnSpc>
@@ -6495,7 +6477,7 @@
           <a:buFontTx/>
           <a:buNone/>
           <a:tabLst/>
-          <a:defRPr b="1" baseline="0" cap="none" i="0" spc="0" strike="noStrike" sz="8600" u="none" kumimoji="0" normalizeH="0">
+          <a:defRPr b="1" baseline="0" cap="none" i="0" spc="0" strike="noStrike" sz="12400" u="none" kumimoji="0" normalizeH="0">
             <a:ln>
               <a:noFill/>
             </a:ln>
@@ -6958,11 +6940,11 @@
         <a:effectLst/>
         <a:sp3d/>
       </a:spPr>
-      <a:bodyPr rot="0" spcFirstLastPara="1" vertOverflow="overflow" horzOverflow="overflow" vert="horz" wrap="square" lIns="66302" tIns="66302" rIns="66302" bIns="66302" numCol="1" spcCol="38100" rtlCol="0" anchor="ctr" upright="0">
+      <a:bodyPr rot="0" spcFirstLastPara="1" vertOverflow="overflow" horzOverflow="overflow" vert="horz" wrap="square" lIns="75774" tIns="75774" rIns="75774" bIns="75774" numCol="1" spcCol="38100" rtlCol="0" anchor="ctr" upright="0">
         <a:spAutoFit/>
       </a:bodyPr>
       <a:lstStyle>
-        <a:defPPr marL="0" marR="0" indent="0" algn="ctr" defTabSz="2409825" rtl="0" fontAlgn="auto" latinLnBrk="0" hangingPunct="0">
+        <a:defPPr marL="0" marR="0" indent="0" algn="ctr" defTabSz="3505200" rtl="0" fontAlgn="auto" latinLnBrk="0" hangingPunct="0">
           <a:lnSpc>
             <a:spcPct val="100000"/>
           </a:lnSpc>
@@ -6977,7 +6959,7 @@
           <a:buFontTx/>
           <a:buNone/>
           <a:tabLst/>
-          <a:defRPr b="0" baseline="0" cap="none" i="0" spc="0" strike="noStrike" sz="8000" u="none" kumimoji="0" normalizeH="0">
+          <a:defRPr b="0" baseline="0" cap="none" i="0" spc="0" strike="noStrike" sz="11600" u="none" kumimoji="0" normalizeH="0">
             <a:ln>
               <a:noFill/>
             </a:ln>
@@ -7529,11 +7511,11 @@
         <a:effectLst/>
         <a:sp3d/>
       </a:spPr>
-      <a:bodyPr rot="0" spcFirstLastPara="1" vertOverflow="overflow" horzOverflow="overflow" vert="horz" wrap="square" lIns="66302" tIns="66302" rIns="66302" bIns="66302" numCol="1" spcCol="38100" rtlCol="0" anchor="ctr" upright="0">
+      <a:bodyPr rot="0" spcFirstLastPara="1" vertOverflow="overflow" horzOverflow="overflow" vert="horz" wrap="square" lIns="75774" tIns="75774" rIns="75774" bIns="75774" numCol="1" spcCol="38100" rtlCol="0" anchor="ctr" upright="0">
         <a:spAutoFit/>
       </a:bodyPr>
       <a:lstStyle>
-        <a:defPPr marL="0" marR="0" indent="0" algn="ctr" defTabSz="2409825" rtl="0" fontAlgn="auto" latinLnBrk="0" hangingPunct="0">
+        <a:defPPr marL="0" marR="0" indent="0" algn="ctr" defTabSz="3505200" rtl="0" fontAlgn="auto" latinLnBrk="0" hangingPunct="0">
           <a:lnSpc>
             <a:spcPct val="100000"/>
           </a:lnSpc>
@@ -7548,7 +7530,7 @@
           <a:buFontTx/>
           <a:buNone/>
           <a:tabLst/>
-          <a:defRPr b="1" baseline="0" cap="none" i="0" spc="0" strike="noStrike" sz="8600" u="none" kumimoji="0" normalizeH="0">
+          <a:defRPr b="1" baseline="0" cap="none" i="0" spc="0" strike="noStrike" sz="12400" u="none" kumimoji="0" normalizeH="0">
             <a:ln>
               <a:noFill/>
             </a:ln>
